--- a/Game Presentation.pptx
+++ b/Game Presentation.pptx
@@ -5,18 +5,19 @@
     <p:sldMasterId id="2147483840" r:id="rId1"/>
   </p:sldMasterIdLst>
   <p:notesMasterIdLst>
-    <p:notesMasterId r:id="rId11"/>
+    <p:notesMasterId r:id="rId12"/>
   </p:notesMasterIdLst>
   <p:sldIdLst>
     <p:sldId id="256" r:id="rId2"/>
-    <p:sldId id="257" r:id="rId3"/>
-    <p:sldId id="258" r:id="rId4"/>
-    <p:sldId id="260" r:id="rId5"/>
-    <p:sldId id="266" r:id="rId6"/>
-    <p:sldId id="262" r:id="rId7"/>
-    <p:sldId id="263" r:id="rId8"/>
-    <p:sldId id="267" r:id="rId9"/>
-    <p:sldId id="265" r:id="rId10"/>
+    <p:sldId id="268" r:id="rId3"/>
+    <p:sldId id="269" r:id="rId4"/>
+    <p:sldId id="266" r:id="rId5"/>
+    <p:sldId id="257" r:id="rId6"/>
+    <p:sldId id="270" r:id="rId7"/>
+    <p:sldId id="262" r:id="rId8"/>
+    <p:sldId id="260" r:id="rId9"/>
+    <p:sldId id="267" r:id="rId10"/>
+    <p:sldId id="265" r:id="rId11"/>
   </p:sldIdLst>
   <p:sldSz cx="12192000" cy="6858000"/>
   <p:notesSz cx="6858000" cy="9144000"/>
@@ -486,90 +487,6 @@
     </a:lvl9pPr>
   </p:notesStyle>
 </p:notesMaster>
-</file>
-
-<file path=ppt/notesSlides/notesSlide1.xml><?xml version="1.0" encoding="utf-8"?>
-<p:notes xmlns:a="http://schemas.openxmlformats.org/drawingml/2006/main" xmlns:r="http://schemas.openxmlformats.org/officeDocument/2006/relationships" xmlns:p="http://schemas.openxmlformats.org/presentationml/2006/main">
-  <p:cSld>
-    <p:spTree>
-      <p:nvGrpSpPr>
-        <p:cNvPr id="1" name=""/>
-        <p:cNvGrpSpPr/>
-        <p:nvPr/>
-      </p:nvGrpSpPr>
-      <p:grpSpPr>
-        <a:xfrm>
-          <a:off x="0" y="0"/>
-          <a:ext cx="0" cy="0"/>
-          <a:chOff x="0" y="0"/>
-          <a:chExt cx="0" cy="0"/>
-        </a:xfrm>
-      </p:grpSpPr>
-      <p:sp>
-        <p:nvSpPr>
-          <p:cNvPr id="2" name="Slide Image Placeholder 1"/>
-          <p:cNvSpPr>
-            <a:spLocks noGrp="1" noRot="1" noChangeAspect="1"/>
-          </p:cNvSpPr>
-          <p:nvPr>
-            <p:ph type="sldImg"/>
-          </p:nvPr>
-        </p:nvSpPr>
-        <p:spPr/>
-      </p:sp>
-      <p:sp>
-        <p:nvSpPr>
-          <p:cNvPr id="3" name="Notes Placeholder 2"/>
-          <p:cNvSpPr>
-            <a:spLocks noGrp="1"/>
-          </p:cNvSpPr>
-          <p:nvPr>
-            <p:ph type="body" idx="1"/>
-          </p:nvPr>
-        </p:nvSpPr>
-        <p:spPr/>
-        <p:txBody>
-          <a:bodyPr/>
-          <a:lstStyle/>
-          <a:p>
-            <a:endParaRPr lang="en-GB" dirty="0"/>
-          </a:p>
-        </p:txBody>
-      </p:sp>
-      <p:sp>
-        <p:nvSpPr>
-          <p:cNvPr id="4" name="Slide Number Placeholder 3"/>
-          <p:cNvSpPr>
-            <a:spLocks noGrp="1"/>
-          </p:cNvSpPr>
-          <p:nvPr>
-            <p:ph type="sldNum" sz="quarter" idx="10"/>
-          </p:nvPr>
-        </p:nvSpPr>
-        <p:spPr/>
-        <p:txBody>
-          <a:bodyPr/>
-          <a:lstStyle/>
-          <a:p>
-            <a:fld id="{F317BE6C-444B-46DA-BB6C-74A6F4530891}" type="slidenum">
-              <a:rPr lang="en-GB" smtClean="0"/>
-              <a:t>7</a:t>
-            </a:fld>
-            <a:endParaRPr lang="en-GB"/>
-          </a:p>
-        </p:txBody>
-      </p:sp>
-    </p:spTree>
-    <p:extLst>
-      <p:ext uri="{BB962C8B-B14F-4D97-AF65-F5344CB8AC3E}">
-        <p14:creationId xmlns:p14="http://schemas.microsoft.com/office/powerpoint/2010/main" val="2743843697"/>
-      </p:ext>
-    </p:extLst>
-  </p:cSld>
-  <p:clrMapOvr>
-    <a:masterClrMapping/>
-  </p:clrMapOvr>
-</p:notes>
 </file>
 
 <file path=ppt/slideLayouts/slideLayout1.xml><?xml version="1.0" encoding="utf-8"?>
@@ -4964,6 +4881,197 @@
 </p:sld>
 </file>
 
+<file path=ppt/slides/slide10.xml><?xml version="1.0" encoding="utf-8"?>
+<p:sld xmlns:a="http://schemas.openxmlformats.org/drawingml/2006/main" xmlns:r="http://schemas.openxmlformats.org/officeDocument/2006/relationships" xmlns:p="http://schemas.openxmlformats.org/presentationml/2006/main">
+  <p:cSld>
+    <p:spTree>
+      <p:nvGrpSpPr>
+        <p:cNvPr id="1" name=""/>
+        <p:cNvGrpSpPr/>
+        <p:nvPr/>
+      </p:nvGrpSpPr>
+      <p:grpSpPr>
+        <a:xfrm>
+          <a:off x="0" y="0"/>
+          <a:ext cx="0" cy="0"/>
+          <a:chOff x="0" y="0"/>
+          <a:chExt cx="0" cy="0"/>
+        </a:xfrm>
+      </p:grpSpPr>
+      <p:sp>
+        <p:nvSpPr>
+          <p:cNvPr id="2" name="Title 1"/>
+          <p:cNvSpPr>
+            <a:spLocks noGrp="1"/>
+          </p:cNvSpPr>
+          <p:nvPr>
+            <p:ph type="title"/>
+          </p:nvPr>
+        </p:nvSpPr>
+        <p:spPr/>
+        <p:txBody>
+          <a:bodyPr/>
+          <a:lstStyle/>
+          <a:p>
+            <a:r>
+              <a:rPr lang="en-US" dirty="0"/>
+              <a:t>Thank you for listening </a:t>
+            </a:r>
+          </a:p>
+        </p:txBody>
+      </p:sp>
+      <p:sp>
+        <p:nvSpPr>
+          <p:cNvPr id="3" name="Content Placeholder 2"/>
+          <p:cNvSpPr>
+            <a:spLocks noGrp="1"/>
+          </p:cNvSpPr>
+          <p:nvPr>
+            <p:ph idx="1"/>
+          </p:nvPr>
+        </p:nvSpPr>
+        <p:spPr/>
+        <p:txBody>
+          <a:bodyPr/>
+          <a:lstStyle/>
+          <a:p>
+            <a:r>
+              <a:rPr lang="en-US" sz="2800" dirty="0"/>
+              <a:t>We will now welcome any questions </a:t>
+            </a:r>
+          </a:p>
+          <a:p>
+            <a:r>
+              <a:rPr lang="en-US" dirty="0"/>
+              <a:t>Billy’s escape was developed by:</a:t>
+            </a:r>
+          </a:p>
+          <a:p>
+            <a:pPr lvl="1">
+              <a:buFont typeface="Wingdings" charset="2"/>
+              <a:buChar char="v"/>
+            </a:pPr>
+            <a:r>
+              <a:rPr lang="en-US" dirty="0"/>
+              <a:t>Sam Davis 			</a:t>
+            </a:r>
+          </a:p>
+          <a:p>
+            <a:pPr lvl="1">
+              <a:buFont typeface="Wingdings" charset="2"/>
+              <a:buChar char="v"/>
+            </a:pPr>
+            <a:r>
+              <a:rPr lang="en-US" dirty="0"/>
+              <a:t>Georgios Diamantopoulos </a:t>
+            </a:r>
+          </a:p>
+          <a:p>
+            <a:pPr lvl="1">
+              <a:buFont typeface="Wingdings" charset="2"/>
+              <a:buChar char="v"/>
+            </a:pPr>
+            <a:r>
+              <a:rPr lang="en-US" dirty="0"/>
+              <a:t>Adam Parrington</a:t>
+            </a:r>
+          </a:p>
+          <a:p>
+            <a:pPr lvl="1">
+              <a:buFont typeface="Wingdings" charset="2"/>
+              <a:buChar char="v"/>
+            </a:pPr>
+            <a:r>
+              <a:rPr lang="en-US" dirty="0"/>
+              <a:t>Reema Abaoud</a:t>
+            </a:r>
+          </a:p>
+          <a:p>
+            <a:pPr lvl="1">
+              <a:buFont typeface="Wingdings" charset="2"/>
+              <a:buChar char="v"/>
+            </a:pPr>
+            <a:r>
+              <a:rPr lang="en-US" dirty="0" err="1"/>
+              <a:t>Todor</a:t>
+            </a:r>
+            <a:r>
+              <a:rPr lang="en-US" dirty="0"/>
+              <a:t> </a:t>
+            </a:r>
+            <a:r>
+              <a:rPr lang="en-US" dirty="0" err="1"/>
+              <a:t>Pertov</a:t>
+            </a:r>
+            <a:endParaRPr lang="en-US" dirty="0"/>
+          </a:p>
+          <a:p>
+            <a:pPr lvl="1">
+              <a:buFont typeface="Wingdings" charset="2"/>
+              <a:buChar char="v"/>
+            </a:pPr>
+            <a:r>
+              <a:rPr lang="en-US" dirty="0"/>
+              <a:t>Laura Edwards</a:t>
+            </a:r>
+          </a:p>
+          <a:p>
+            <a:pPr lvl="1">
+              <a:buFont typeface="Wingdings" charset="2"/>
+              <a:buChar char="v"/>
+            </a:pPr>
+            <a:r>
+              <a:rPr lang="en-US" dirty="0"/>
+              <a:t>Sebastian Squire</a:t>
+            </a:r>
+          </a:p>
+          <a:p>
+            <a:pPr lvl="1">
+              <a:buFont typeface="Wingdings" charset="2"/>
+              <a:buChar char="v"/>
+            </a:pPr>
+            <a:r>
+              <a:rPr lang="en-US" dirty="0"/>
+              <a:t>Jacob </a:t>
+            </a:r>
+            <a:r>
+              <a:rPr lang="en-US" dirty="0" err="1"/>
+              <a:t>Winkworth</a:t>
+            </a:r>
+            <a:endParaRPr lang="en-US" dirty="0"/>
+          </a:p>
+          <a:p>
+            <a:pPr lvl="1">
+              <a:buFont typeface="Wingdings" charset="2"/>
+              <a:buChar char="v"/>
+            </a:pPr>
+            <a:endParaRPr lang="en-US" dirty="0"/>
+          </a:p>
+          <a:p>
+            <a:pPr lvl="1">
+              <a:buFont typeface="Wingdings" charset="2"/>
+              <a:buChar char="v"/>
+            </a:pPr>
+            <a:endParaRPr lang="en-US" dirty="0"/>
+          </a:p>
+          <a:p>
+            <a:endParaRPr lang="en-US" dirty="0"/>
+          </a:p>
+        </p:txBody>
+      </p:sp>
+    </p:spTree>
+    <p:extLst>
+      <p:ext uri="{BB962C8B-B14F-4D97-AF65-F5344CB8AC3E}">
+        <p14:creationId xmlns:p14="http://schemas.microsoft.com/office/powerpoint/2010/main" val="1893396944"/>
+      </p:ext>
+    </p:extLst>
+  </p:cSld>
+  <p:clrMapOvr>
+    <a:masterClrMapping/>
+  </p:clrMapOvr>
+</p:sld>
+</file>
+
 <file path=ppt/slides/slide2.xml><?xml version="1.0" encoding="utf-8"?>
 <p:sld xmlns:a="http://schemas.openxmlformats.org/drawingml/2006/main" xmlns:r="http://schemas.openxmlformats.org/officeDocument/2006/relationships" xmlns:p="http://schemas.openxmlformats.org/presentationml/2006/main">
   <p:cSld>
@@ -4991,70 +5099,348 @@
             <p:ph type="title"/>
           </p:nvPr>
         </p:nvSpPr>
-        <p:spPr/>
-        <p:txBody>
-          <a:bodyPr/>
-          <a:lstStyle/>
-          <a:p>
-            <a:r>
-              <a:rPr lang="en-US" dirty="0" err="1"/>
-              <a:t>Billy’S</a:t>
-            </a:r>
-            <a:r>
-              <a:rPr lang="en-US" dirty="0"/>
-              <a:t> escape :</a:t>
-            </a:r>
-          </a:p>
-        </p:txBody>
-      </p:sp>
-      <p:sp>
-        <p:nvSpPr>
-          <p:cNvPr id="3" name="Content Placeholder 2"/>
-          <p:cNvSpPr>
-            <a:spLocks noGrp="1"/>
-          </p:cNvSpPr>
-          <p:nvPr>
-            <p:ph idx="1"/>
-          </p:nvPr>
-        </p:nvSpPr>
-        <p:spPr/>
+        <p:spPr>
+          <a:xfrm>
+            <a:off x="1405133" y="1109732"/>
+            <a:ext cx="3069590" cy="818874"/>
+          </a:xfrm>
+        </p:spPr>
         <p:txBody>
           <a:bodyPr>
-            <a:normAutofit/>
+            <a:normAutofit fontScale="90000"/>
           </a:bodyPr>
           <a:lstStyle/>
           <a:p>
             <a:r>
-              <a:rPr lang="en-US" sz="3200" dirty="0"/>
-              <a:t>Billy’s escape is a text based adventure game </a:t>
-            </a:r>
-          </a:p>
-          <a:p>
-            <a:r>
-              <a:rPr lang="en-US" sz="3200" dirty="0"/>
-              <a:t>Billy is a teenager who wants to escape the house for a legendary house party </a:t>
-            </a:r>
-            <a:r>
-              <a:rPr lang="en-US" sz="3200" dirty="0">
-                <a:solidFill>
-                  <a:srgbClr val="FF0000"/>
-                </a:solidFill>
-              </a:rPr>
-              <a:t>without being caught from his parents </a:t>
-            </a:r>
-          </a:p>
-          <a:p>
-            <a:r>
-              <a:rPr lang="en-US" sz="3200" dirty="0"/>
-              <a:t>The game forces the player into a situation where they must decide on the best solution for the problems they encounter </a:t>
-            </a:r>
+              <a:rPr lang="en-GB" dirty="0" smtClean="0"/>
+              <a:t>Advantages:</a:t>
+            </a:r>
+            <a:endParaRPr lang="en-GB" dirty="0"/>
+          </a:p>
+        </p:txBody>
+      </p:sp>
+      <p:sp>
+        <p:nvSpPr>
+          <p:cNvPr id="4" name="Title 1"/>
+          <p:cNvSpPr txBox="1">
+            <a:spLocks/>
+          </p:cNvSpPr>
+          <p:nvPr/>
+        </p:nvSpPr>
+        <p:spPr>
+          <a:xfrm>
+            <a:off x="3889151" y="246048"/>
+            <a:ext cx="4419793" cy="818874"/>
+          </a:xfrm>
+          <a:prstGeom prst="rect">
+            <a:avLst/>
+          </a:prstGeom>
+        </p:spPr>
+        <p:txBody>
+          <a:bodyPr vert="horz" lIns="91440" tIns="45720" rIns="91440" bIns="45720" rtlCol="0" anchor="ctr">
+            <a:normAutofit fontScale="97500"/>
+          </a:bodyPr>
+          <a:lstStyle>
+            <a:lvl1pPr algn="l" defTabSz="914400" rtl="0" eaLnBrk="1" latinLnBrk="0" hangingPunct="1">
+              <a:lnSpc>
+                <a:spcPct val="90000"/>
+              </a:lnSpc>
+              <a:spcBef>
+                <a:spcPct val="0"/>
+              </a:spcBef>
+              <a:buNone/>
+              <a:defRPr sz="5400" kern="1200" cap="all" baseline="0">
+                <a:blipFill>
+                  <a:blip r:embed="rId2">
+                    <a:extLst>
+                      <a:ext uri="{28A0092B-C50C-407E-A947-70E740481C1C}">
+                        <a14:useLocalDpi xmlns:a14="http://schemas.microsoft.com/office/drawing/2010/main" val="0"/>
+                      </a:ext>
+                    </a:extLst>
+                  </a:blip>
+                  <a:tile tx="6350" ty="-127000" sx="65000" sy="64000" flip="none" algn="tl"/>
+                </a:blipFill>
+                <a:latin typeface="+mj-lt"/>
+                <a:ea typeface="+mj-ea"/>
+                <a:cs typeface="+mj-cs"/>
+              </a:defRPr>
+            </a:lvl1pPr>
+          </a:lstStyle>
+          <a:p>
+            <a:r>
+              <a:rPr lang="en-GB" dirty="0" smtClean="0"/>
+              <a:t>Text-base games</a:t>
+            </a:r>
+            <a:endParaRPr lang="en-GB" dirty="0"/>
+          </a:p>
+        </p:txBody>
+      </p:sp>
+      <p:sp>
+        <p:nvSpPr>
+          <p:cNvPr id="5" name="TextBox 4"/>
+          <p:cNvSpPr txBox="1"/>
+          <p:nvPr/>
+        </p:nvSpPr>
+        <p:spPr>
+          <a:xfrm>
+            <a:off x="1009569" y="1946480"/>
+            <a:ext cx="3958071" cy="1569660"/>
+          </a:xfrm>
+          <a:prstGeom prst="rect">
+            <a:avLst/>
+          </a:prstGeom>
+          <a:noFill/>
+        </p:spPr>
+        <p:txBody>
+          <a:bodyPr wrap="none" rtlCol="0">
+            <a:spAutoFit/>
+          </a:bodyPr>
+          <a:lstStyle/>
+          <a:p>
+            <a:pPr marL="285750" indent="-285750">
+              <a:buFont typeface="Arial" panose="020B0604020202020204" pitchFamily="34" charset="0"/>
+              <a:buChar char="•"/>
+            </a:pPr>
+            <a:r>
+              <a:rPr lang="en-GB" sz="3200" dirty="0" smtClean="0"/>
+              <a:t>Low requirements.</a:t>
+            </a:r>
+          </a:p>
+          <a:p>
+            <a:pPr marL="285750" indent="-285750">
+              <a:buFont typeface="Arial" panose="020B0604020202020204" pitchFamily="34" charset="0"/>
+              <a:buChar char="•"/>
+            </a:pPr>
+            <a:r>
+              <a:rPr lang="en-GB" sz="3200" dirty="0" smtClean="0"/>
+              <a:t>Easy to take.</a:t>
+            </a:r>
+          </a:p>
+          <a:p>
+            <a:pPr marL="285750" indent="-285750">
+              <a:buFont typeface="Arial" panose="020B0604020202020204" pitchFamily="34" charset="0"/>
+              <a:buChar char="•"/>
+            </a:pPr>
+            <a:r>
+              <a:rPr lang="en-GB" sz="3200" dirty="0" smtClean="0"/>
+              <a:t>Easy to put down</a:t>
+            </a:r>
+            <a:r>
+              <a:rPr lang="en-GB" dirty="0" smtClean="0"/>
+              <a:t>.</a:t>
+            </a:r>
+            <a:endParaRPr lang="en-GB" dirty="0"/>
+          </a:p>
+        </p:txBody>
+      </p:sp>
+      <p:sp>
+        <p:nvSpPr>
+          <p:cNvPr id="6" name="Title 1"/>
+          <p:cNvSpPr txBox="1">
+            <a:spLocks/>
+          </p:cNvSpPr>
+          <p:nvPr/>
+        </p:nvSpPr>
+        <p:spPr>
+          <a:xfrm>
+            <a:off x="6549958" y="1080588"/>
+            <a:ext cx="4034836" cy="818874"/>
+          </a:xfrm>
+          <a:prstGeom prst="rect">
+            <a:avLst/>
+          </a:prstGeom>
+        </p:spPr>
+        <p:txBody>
+          <a:bodyPr vert="horz" lIns="91440" tIns="45720" rIns="91440" bIns="45720" rtlCol="0" anchor="ctr">
+            <a:normAutofit fontScale="97500"/>
+          </a:bodyPr>
+          <a:lstStyle>
+            <a:lvl1pPr algn="l" defTabSz="914400" rtl="0" eaLnBrk="1" latinLnBrk="0" hangingPunct="1">
+              <a:lnSpc>
+                <a:spcPct val="90000"/>
+              </a:lnSpc>
+              <a:spcBef>
+                <a:spcPct val="0"/>
+              </a:spcBef>
+              <a:buNone/>
+              <a:defRPr sz="5400" kern="1200" cap="all" baseline="0">
+                <a:blipFill>
+                  <a:blip r:embed="rId2">
+                    <a:extLst>
+                      <a:ext uri="{28A0092B-C50C-407E-A947-70E740481C1C}">
+                        <a14:useLocalDpi xmlns:a14="http://schemas.microsoft.com/office/drawing/2010/main" val="0"/>
+                      </a:ext>
+                    </a:extLst>
+                  </a:blip>
+                  <a:tile tx="6350" ty="-127000" sx="65000" sy="64000" flip="none" algn="tl"/>
+                </a:blipFill>
+                <a:latin typeface="+mj-lt"/>
+                <a:ea typeface="+mj-ea"/>
+                <a:cs typeface="+mj-cs"/>
+              </a:defRPr>
+            </a:lvl1pPr>
+          </a:lstStyle>
+          <a:p>
+            <a:r>
+              <a:rPr lang="en-GB" dirty="0" err="1" smtClean="0"/>
+              <a:t>disAdvantages</a:t>
+            </a:r>
+            <a:r>
+              <a:rPr lang="en-GB" dirty="0" smtClean="0"/>
+              <a:t>:</a:t>
+            </a:r>
+            <a:endParaRPr lang="en-GB" dirty="0"/>
+          </a:p>
+        </p:txBody>
+      </p:sp>
+      <p:sp>
+        <p:nvSpPr>
+          <p:cNvPr id="7" name="TextBox 6"/>
+          <p:cNvSpPr txBox="1"/>
+          <p:nvPr/>
+        </p:nvSpPr>
+        <p:spPr>
+          <a:xfrm>
+            <a:off x="5731566" y="1928606"/>
+            <a:ext cx="5269584" cy="2062103"/>
+          </a:xfrm>
+          <a:prstGeom prst="rect">
+            <a:avLst/>
+          </a:prstGeom>
+          <a:noFill/>
+        </p:spPr>
+        <p:txBody>
+          <a:bodyPr wrap="none" rtlCol="0">
+            <a:spAutoFit/>
+          </a:bodyPr>
+          <a:lstStyle/>
+          <a:p>
+            <a:pPr marL="285750" indent="-285750">
+              <a:buFont typeface="Arial" panose="020B0604020202020204" pitchFamily="34" charset="0"/>
+              <a:buChar char="•"/>
+            </a:pPr>
+            <a:r>
+              <a:rPr lang="en-GB" sz="3200" dirty="0" smtClean="0"/>
+              <a:t>Low level of engagement </a:t>
+            </a:r>
+          </a:p>
+          <a:p>
+            <a:r>
+              <a:rPr lang="en-GB" sz="3200" dirty="0"/>
+              <a:t>w</a:t>
+            </a:r>
+            <a:r>
+              <a:rPr lang="en-GB" sz="3200" dirty="0" smtClean="0"/>
+              <a:t>ith the player.</a:t>
+            </a:r>
+          </a:p>
+          <a:p>
+            <a:endParaRPr lang="en-GB" sz="3200" dirty="0" smtClean="0"/>
+          </a:p>
+          <a:p>
+            <a:endParaRPr lang="en-GB" sz="3200" dirty="0" smtClean="0"/>
+          </a:p>
+        </p:txBody>
+      </p:sp>
+      <p:sp>
+        <p:nvSpPr>
+          <p:cNvPr id="8" name="Title 1"/>
+          <p:cNvSpPr txBox="1">
+            <a:spLocks/>
+          </p:cNvSpPr>
+          <p:nvPr/>
+        </p:nvSpPr>
+        <p:spPr>
+          <a:xfrm>
+            <a:off x="3718680" y="3913915"/>
+            <a:ext cx="4647678" cy="818874"/>
+          </a:xfrm>
+          <a:prstGeom prst="rect">
+            <a:avLst/>
+          </a:prstGeom>
+        </p:spPr>
+        <p:txBody>
+          <a:bodyPr vert="horz" lIns="91440" tIns="45720" rIns="91440" bIns="45720" rtlCol="0" anchor="ctr">
+            <a:normAutofit fontScale="97500"/>
+          </a:bodyPr>
+          <a:lstStyle>
+            <a:lvl1pPr algn="l" defTabSz="914400" rtl="0" eaLnBrk="1" latinLnBrk="0" hangingPunct="1">
+              <a:lnSpc>
+                <a:spcPct val="90000"/>
+              </a:lnSpc>
+              <a:spcBef>
+                <a:spcPct val="0"/>
+              </a:spcBef>
+              <a:buNone/>
+              <a:defRPr sz="5400" kern="1200" cap="all" baseline="0">
+                <a:blipFill>
+                  <a:blip r:embed="rId2">
+                    <a:extLst>
+                      <a:ext uri="{28A0092B-C50C-407E-A947-70E740481C1C}">
+                        <a14:useLocalDpi xmlns:a14="http://schemas.microsoft.com/office/drawing/2010/main" val="0"/>
+                      </a:ext>
+                    </a:extLst>
+                  </a:blip>
+                  <a:tile tx="6350" ty="-127000" sx="65000" sy="64000" flip="none" algn="tl"/>
+                </a:blipFill>
+                <a:latin typeface="+mj-lt"/>
+                <a:ea typeface="+mj-ea"/>
+                <a:cs typeface="+mj-cs"/>
+              </a:defRPr>
+            </a:lvl1pPr>
+          </a:lstStyle>
+          <a:p>
+            <a:r>
+              <a:rPr lang="en-GB" dirty="0" smtClean="0"/>
+              <a:t>Target audience:</a:t>
+            </a:r>
+          </a:p>
+        </p:txBody>
+      </p:sp>
+      <p:sp>
+        <p:nvSpPr>
+          <p:cNvPr id="9" name="TextBox 8"/>
+          <p:cNvSpPr txBox="1"/>
+          <p:nvPr/>
+        </p:nvSpPr>
+        <p:spPr>
+          <a:xfrm>
+            <a:off x="2370488" y="4872267"/>
+            <a:ext cx="7414979" cy="861774"/>
+          </a:xfrm>
+          <a:prstGeom prst="rect">
+            <a:avLst/>
+          </a:prstGeom>
+          <a:noFill/>
+        </p:spPr>
+        <p:txBody>
+          <a:bodyPr wrap="none" rtlCol="0">
+            <a:spAutoFit/>
+          </a:bodyPr>
+          <a:lstStyle/>
+          <a:p>
+            <a:pPr marL="285750" indent="-285750">
+              <a:buFont typeface="Arial" panose="020B0604020202020204" pitchFamily="34" charset="0"/>
+              <a:buChar char="•"/>
+            </a:pPr>
+            <a:r>
+              <a:rPr lang="en-GB" sz="3200" dirty="0" smtClean="0"/>
+              <a:t>People playing, because of nostalgia</a:t>
+            </a:r>
+            <a:r>
+              <a:rPr lang="en-GB" dirty="0" smtClean="0"/>
+              <a:t>.</a:t>
+            </a:r>
+          </a:p>
+          <a:p>
+            <a:endParaRPr lang="en-GB" dirty="0" smtClean="0"/>
           </a:p>
         </p:txBody>
       </p:sp>
     </p:spTree>
     <p:extLst>
       <p:ext uri="{BB962C8B-B14F-4D97-AF65-F5344CB8AC3E}">
-        <p14:creationId xmlns:p14="http://schemas.microsoft.com/office/powerpoint/2010/main" val="44385216"/>
+        <p14:creationId xmlns:p14="http://schemas.microsoft.com/office/powerpoint/2010/main" val="2983278426"/>
       </p:ext>
     </p:extLst>
   </p:cSld>
@@ -5091,29 +5477,12 @@
             <p:ph type="title"/>
           </p:nvPr>
         </p:nvSpPr>
-        <p:spPr/>
-        <p:txBody>
-          <a:bodyPr/>
-          <a:lstStyle/>
-          <a:p>
-            <a:r>
-              <a:rPr lang="en-US" dirty="0"/>
-              <a:t>Characters </a:t>
-            </a:r>
-          </a:p>
-        </p:txBody>
-      </p:sp>
-      <p:sp>
-        <p:nvSpPr>
-          <p:cNvPr id="3" name="Content Placeholder 2"/>
-          <p:cNvSpPr>
-            <a:spLocks noGrp="1"/>
-          </p:cNvSpPr>
-          <p:nvPr>
-            <p:ph idx="1"/>
-          </p:nvPr>
-        </p:nvSpPr>
-        <p:spPr/>
+        <p:spPr>
+          <a:xfrm>
+            <a:off x="388912" y="181742"/>
+            <a:ext cx="5097488" cy="1609344"/>
+          </a:xfrm>
+        </p:spPr>
         <p:txBody>
           <a:bodyPr>
             <a:normAutofit/>
@@ -5121,147 +5490,78 @@
           <a:lstStyle/>
           <a:p>
             <a:r>
-              <a:rPr lang="en-US" dirty="0"/>
-              <a:t>Billy				Protagonist</a:t>
-            </a:r>
-          </a:p>
-          <a:p>
-            <a:endParaRPr lang="en-US" dirty="0"/>
-          </a:p>
-          <a:p>
-            <a:endParaRPr lang="en-US" dirty="0"/>
-          </a:p>
-          <a:p>
-            <a:r>
-              <a:rPr lang="en-US" dirty="0"/>
-              <a:t> Parents			Mum / Dad</a:t>
-            </a:r>
-          </a:p>
-          <a:p>
-            <a:endParaRPr lang="en-US" dirty="0"/>
-          </a:p>
-          <a:p>
-            <a:endParaRPr lang="en-US" dirty="0"/>
-          </a:p>
-          <a:p>
-            <a:r>
-              <a:rPr lang="en-US" dirty="0"/>
-              <a:t>Sister   			            Annoying</a:t>
-            </a:r>
-          </a:p>
-          <a:p>
-            <a:endParaRPr lang="en-US" dirty="0"/>
-          </a:p>
-          <a:p>
-            <a:endParaRPr lang="en-US" dirty="0"/>
-          </a:p>
-        </p:txBody>
-      </p:sp>
-      <p:cxnSp>
-        <p:nvCxnSpPr>
-          <p:cNvPr id="5" name="Straight Arrow Connector 4"/>
-          <p:cNvCxnSpPr/>
+              <a:rPr lang="en-GB" sz="4900" dirty="0" smtClean="0"/>
+              <a:t>New technologies:</a:t>
+            </a:r>
+            <a:endParaRPr lang="en-GB" sz="4900" dirty="0"/>
+          </a:p>
+        </p:txBody>
+      </p:sp>
+      <p:sp>
+        <p:nvSpPr>
+          <p:cNvPr id="4" name="Title 1"/>
+          <p:cNvSpPr txBox="1">
+            <a:spLocks/>
+          </p:cNvSpPr>
           <p:nvPr/>
-        </p:nvCxnSpPr>
+        </p:nvSpPr>
         <p:spPr>
           <a:xfrm>
-            <a:off x="2199861" y="2319130"/>
-            <a:ext cx="2014330" cy="0"/>
-          </a:xfrm>
-          <a:prstGeom prst="straightConnector1">
+            <a:off x="5876060" y="233363"/>
+            <a:ext cx="5097488" cy="1609344"/>
+          </a:xfrm>
+          <a:prstGeom prst="rect">
             <a:avLst/>
           </a:prstGeom>
-          <a:ln>
-            <a:tailEnd type="triangle"/>
-          </a:ln>
         </p:spPr>
-        <p:style>
-          <a:lnRef idx="1">
-            <a:schemeClr val="accent1"/>
-          </a:lnRef>
-          <a:fillRef idx="0">
-            <a:schemeClr val="accent1"/>
-          </a:fillRef>
-          <a:effectRef idx="0">
-            <a:schemeClr val="accent1"/>
-          </a:effectRef>
-          <a:fontRef idx="minor">
-            <a:schemeClr val="tx1"/>
-          </a:fontRef>
-        </p:style>
-      </p:cxnSp>
+        <p:txBody>
+          <a:bodyPr vert="horz" lIns="91440" tIns="45720" rIns="91440" bIns="45720" rtlCol="0" anchor="ctr">
+            <a:normAutofit/>
+          </a:bodyPr>
+          <a:lstStyle>
+            <a:lvl1pPr algn="l" defTabSz="914400" rtl="0" eaLnBrk="1" latinLnBrk="0" hangingPunct="1">
+              <a:lnSpc>
+                <a:spcPct val="90000"/>
+              </a:lnSpc>
+              <a:spcBef>
+                <a:spcPct val="0"/>
+              </a:spcBef>
+              <a:buNone/>
+              <a:defRPr sz="5400" kern="1200" cap="all" baseline="0">
+                <a:blipFill>
+                  <a:blip r:embed="rId2">
+                    <a:extLst>
+                      <a:ext uri="{28A0092B-C50C-407E-A947-70E740481C1C}">
+                        <a14:useLocalDpi xmlns:a14="http://schemas.microsoft.com/office/drawing/2010/main" val="0"/>
+                      </a:ext>
+                    </a:extLst>
+                  </a:blip>
+                  <a:tile tx="6350" ty="-127000" sx="65000" sy="64000" flip="none" algn="tl"/>
+                </a:blipFill>
+                <a:latin typeface="+mj-lt"/>
+                <a:ea typeface="+mj-ea"/>
+                <a:cs typeface="+mj-cs"/>
+              </a:defRPr>
+            </a:lvl1pPr>
+          </a:lstStyle>
+          <a:p>
+            <a:r>
+              <a:rPr lang="en-GB" sz="4900" dirty="0" smtClean="0"/>
+              <a:t>Text-based games:</a:t>
+            </a:r>
+            <a:endParaRPr lang="en-GB" sz="4900" dirty="0"/>
+          </a:p>
+        </p:txBody>
+      </p:sp>
       <p:pic>
         <p:nvPicPr>
-          <p:cNvPr id="6" name="Picture 5"/>
+          <p:cNvPr id="1026" name="Picture 2" descr="Image result for oculus rift"/>
           <p:cNvPicPr>
-            <a:picLocks noChangeAspect="1"/>
+            <a:picLocks noChangeAspect="1" noChangeArrowheads="1"/>
           </p:cNvPicPr>
           <p:nvPr/>
         </p:nvPicPr>
         <p:blipFill>
-          <a:blip r:embed="rId2">
-            <a:extLst>
-              <a:ext uri="{28A0092B-C50C-407E-A947-70E740481C1C}">
-                <a14:useLocalDpi xmlns:a14="http://schemas.microsoft.com/office/drawing/2010/main" val="0"/>
-              </a:ext>
-            </a:extLst>
-          </a:blip>
-          <a:stretch>
-            <a:fillRect/>
-          </a:stretch>
-        </p:blipFill>
-        <p:spPr>
-          <a:xfrm>
-            <a:off x="6285845" y="421352"/>
-            <a:ext cx="1839513" cy="1897778"/>
-          </a:xfrm>
-          <a:prstGeom prst="rect">
-            <a:avLst/>
-          </a:prstGeom>
-        </p:spPr>
-      </p:pic>
-      <p:cxnSp>
-        <p:nvCxnSpPr>
-          <p:cNvPr id="7" name="Straight Arrow Connector 6"/>
-          <p:cNvCxnSpPr/>
-          <p:nvPr/>
-        </p:nvCxnSpPr>
-        <p:spPr>
-          <a:xfrm>
-            <a:off x="2504659" y="3431087"/>
-            <a:ext cx="2014330" cy="0"/>
-          </a:xfrm>
-          <a:prstGeom prst="straightConnector1">
-            <a:avLst/>
-          </a:prstGeom>
-          <a:ln>
-            <a:tailEnd type="triangle"/>
-          </a:ln>
-        </p:spPr>
-        <p:style>
-          <a:lnRef idx="1">
-            <a:schemeClr val="accent1"/>
-          </a:lnRef>
-          <a:fillRef idx="0">
-            <a:schemeClr val="accent1"/>
-          </a:fillRef>
-          <a:effectRef idx="0">
-            <a:schemeClr val="accent1"/>
-          </a:effectRef>
-          <a:fontRef idx="minor">
-            <a:schemeClr val="tx1"/>
-          </a:fontRef>
-        </p:style>
-      </p:cxnSp>
-      <p:pic>
-        <p:nvPicPr>
-          <p:cNvPr id="8" name="Picture 7"/>
-          <p:cNvPicPr>
-            <a:picLocks noChangeAspect="1"/>
-          </p:cNvPicPr>
-          <p:nvPr/>
-        </p:nvPicPr>
-        <p:blipFill rotWithShape="1">
           <a:blip r:embed="rId3">
             <a:extLst>
               <a:ext uri="{28A0092B-C50C-407E-A947-70E740481C1C}">
@@ -5269,650 +5569,123 @@
               </a:ext>
             </a:extLst>
           </a:blip>
-          <a:srcRect b="5655"/>
-          <a:stretch/>
+          <a:srcRect/>
+          <a:stretch>
+            <a:fillRect/>
+          </a:stretch>
         </p:blipFill>
-        <p:spPr>
+        <p:spPr bwMode="auto">
           <a:xfrm>
-            <a:off x="6477615" y="2529672"/>
-            <a:ext cx="2247900" cy="1617132"/>
+            <a:off x="155575" y="1311852"/>
+            <a:ext cx="4972050" cy="2895601"/>
           </a:xfrm>
           <a:prstGeom prst="rect">
             <a:avLst/>
           </a:prstGeom>
+          <a:noFill/>
+          <a:extLst>
+            <a:ext uri="{909E8E84-426E-40DD-AFC4-6F175D3DCCD1}">
+              <a14:hiddenFill xmlns:a14="http://schemas.microsoft.com/office/drawing/2010/main">
+                <a:solidFill>
+                  <a:srgbClr val="FFFFFF"/>
+                </a:solidFill>
+              </a14:hiddenFill>
+            </a:ext>
+          </a:extLst>
         </p:spPr>
       </p:pic>
-      <p:cxnSp>
-        <p:nvCxnSpPr>
-          <p:cNvPr id="9" name="Straight Arrow Connector 8"/>
-          <p:cNvCxnSpPr/>
-          <p:nvPr/>
-        </p:nvCxnSpPr>
-        <p:spPr>
-          <a:xfrm>
-            <a:off x="3027555" y="4651475"/>
-            <a:ext cx="2014330" cy="0"/>
-          </a:xfrm>
-          <a:prstGeom prst="straightConnector1">
-            <a:avLst/>
-          </a:prstGeom>
-          <a:ln>
-            <a:tailEnd type="triangle"/>
-          </a:ln>
-        </p:spPr>
-        <p:style>
-          <a:lnRef idx="1">
-            <a:schemeClr val="accent1"/>
-          </a:lnRef>
-          <a:fillRef idx="0">
-            <a:schemeClr val="accent1"/>
-          </a:fillRef>
-          <a:effectRef idx="0">
-            <a:schemeClr val="accent1"/>
-          </a:effectRef>
-          <a:fontRef idx="minor">
-            <a:schemeClr val="tx1"/>
-          </a:fontRef>
-        </p:style>
-      </p:cxnSp>
       <p:pic>
         <p:nvPicPr>
-          <p:cNvPr id="10" name="Picture 9"/>
+          <p:cNvPr id="1028" name="Picture 4" descr="Image result for tablet with good looking game"/>
           <p:cNvPicPr>
-            <a:picLocks noChangeAspect="1"/>
+            <a:picLocks noChangeAspect="1" noChangeArrowheads="1"/>
           </p:cNvPicPr>
           <p:nvPr/>
         </p:nvPicPr>
         <p:blipFill>
-          <a:blip r:embed="rId4">
+          <a:blip r:embed="rId4" cstate="print">
             <a:extLst>
               <a:ext uri="{28A0092B-C50C-407E-A947-70E740481C1C}">
                 <a14:useLocalDpi xmlns:a14="http://schemas.microsoft.com/office/drawing/2010/main" val="0"/>
               </a:ext>
             </a:extLst>
           </a:blip>
+          <a:srcRect/>
           <a:stretch>
             <a:fillRect/>
           </a:stretch>
         </p:blipFill>
-        <p:spPr>
+        <p:spPr bwMode="auto">
           <a:xfrm>
-            <a:off x="7402297" y="4412435"/>
-            <a:ext cx="1944425" cy="1494133"/>
+            <a:off x="0" y="3728218"/>
+            <a:ext cx="5564057" cy="3129782"/>
           </a:xfrm>
           <a:prstGeom prst="rect">
             <a:avLst/>
           </a:prstGeom>
+          <a:noFill/>
+          <a:extLst>
+            <a:ext uri="{909E8E84-426E-40DD-AFC4-6F175D3DCCD1}">
+              <a14:hiddenFill xmlns:a14="http://schemas.microsoft.com/office/drawing/2010/main">
+                <a:solidFill>
+                  <a:srgbClr val="FFFFFF"/>
+                </a:solidFill>
+              </a14:hiddenFill>
+            </a:ext>
+          </a:extLst>
+        </p:spPr>
+      </p:pic>
+      <p:pic>
+        <p:nvPicPr>
+          <p:cNvPr id="1032" name="Picture 8" descr="Image result for text based game"/>
+          <p:cNvPicPr>
+            <a:picLocks noChangeAspect="1" noChangeArrowheads="1"/>
+          </p:cNvPicPr>
+          <p:nvPr/>
+        </p:nvPicPr>
+        <p:blipFill>
+          <a:blip r:embed="rId5" cstate="print">
+            <a:extLst>
+              <a:ext uri="{28A0092B-C50C-407E-A947-70E740481C1C}">
+                <a14:useLocalDpi xmlns:a14="http://schemas.microsoft.com/office/drawing/2010/main" val="0"/>
+              </a:ext>
+            </a:extLst>
+          </a:blip>
+          <a:srcRect/>
+          <a:stretch>
+            <a:fillRect/>
+          </a:stretch>
+        </p:blipFill>
+        <p:spPr bwMode="auto">
+          <a:xfrm>
+            <a:off x="5876060" y="2167612"/>
+            <a:ext cx="6315940" cy="3552717"/>
+          </a:xfrm>
+          <a:prstGeom prst="rect">
+            <a:avLst/>
+          </a:prstGeom>
+          <a:noFill/>
+          <a:extLst>
+            <a:ext uri="{909E8E84-426E-40DD-AFC4-6F175D3DCCD1}">
+              <a14:hiddenFill xmlns:a14="http://schemas.microsoft.com/office/drawing/2010/main">
+                <a:solidFill>
+                  <a:srgbClr val="FFFFFF"/>
+                </a:solidFill>
+              </a14:hiddenFill>
+            </a:ext>
+          </a:extLst>
         </p:spPr>
       </p:pic>
     </p:spTree>
     <p:extLst>
       <p:ext uri="{BB962C8B-B14F-4D97-AF65-F5344CB8AC3E}">
-        <p14:creationId xmlns:p14="http://schemas.microsoft.com/office/powerpoint/2010/main" val="2049998279"/>
+        <p14:creationId xmlns:p14="http://schemas.microsoft.com/office/powerpoint/2010/main" val="2095270201"/>
       </p:ext>
     </p:extLst>
   </p:cSld>
   <p:clrMapOvr>
     <a:masterClrMapping/>
   </p:clrMapOvr>
-  <p:timing>
-    <p:tnLst>
-      <p:par>
-        <p:cTn id="1" dur="indefinite" restart="never" nodeType="tmRoot">
-          <p:childTnLst>
-            <p:seq concurrent="1" nextAc="seek">
-              <p:cTn id="2" dur="indefinite" nodeType="mainSeq">
-                <p:childTnLst>
-                  <p:par>
-                    <p:cTn id="3" fill="hold">
-                      <p:stCondLst>
-                        <p:cond delay="indefinite"/>
-                      </p:stCondLst>
-                      <p:childTnLst>
-                        <p:par>
-                          <p:cTn id="4" fill="hold">
-                            <p:stCondLst>
-                              <p:cond delay="0"/>
-                            </p:stCondLst>
-                            <p:childTnLst>
-                              <p:par>
-                                <p:cTn id="5" presetID="1" presetClass="entr" presetSubtype="0" fill="hold" nodeType="clickEffect">
-                                  <p:stCondLst>
-                                    <p:cond delay="0"/>
-                                  </p:stCondLst>
-                                  <p:childTnLst>
-                                    <p:set>
-                                      <p:cBhvr>
-                                        <p:cTn id="6" dur="1" fill="hold">
-                                          <p:stCondLst>
-                                            <p:cond delay="0"/>
-                                          </p:stCondLst>
-                                        </p:cTn>
-                                        <p:tgtEl>
-                                          <p:spTgt spid="3">
-                                            <p:txEl>
-                                              <p:pRg st="0" end="0"/>
-                                            </p:txEl>
-                                          </p:spTgt>
-                                        </p:tgtEl>
-                                        <p:attrNameLst>
-                                          <p:attrName>style.visibility</p:attrName>
-                                        </p:attrNameLst>
-                                      </p:cBhvr>
-                                      <p:to>
-                                        <p:strVal val="visible"/>
-                                      </p:to>
-                                    </p:set>
-                                  </p:childTnLst>
-                                </p:cTn>
-                              </p:par>
-                            </p:childTnLst>
-                          </p:cTn>
-                        </p:par>
-                      </p:childTnLst>
-                    </p:cTn>
-                  </p:par>
-                  <p:par>
-                    <p:cTn id="7" fill="hold">
-                      <p:stCondLst>
-                        <p:cond delay="indefinite"/>
-                      </p:stCondLst>
-                      <p:childTnLst>
-                        <p:par>
-                          <p:cTn id="8" fill="hold">
-                            <p:stCondLst>
-                              <p:cond delay="0"/>
-                            </p:stCondLst>
-                            <p:childTnLst>
-                              <p:par>
-                                <p:cTn id="9" presetID="2" presetClass="entr" presetSubtype="4" fill="hold" nodeType="clickEffect">
-                                  <p:stCondLst>
-                                    <p:cond delay="0"/>
-                                  </p:stCondLst>
-                                  <p:childTnLst>
-                                    <p:set>
-                                      <p:cBhvr>
-                                        <p:cTn id="10" dur="1" fill="hold">
-                                          <p:stCondLst>
-                                            <p:cond delay="0"/>
-                                          </p:stCondLst>
-                                        </p:cTn>
-                                        <p:tgtEl>
-                                          <p:spTgt spid="6"/>
-                                        </p:tgtEl>
-                                        <p:attrNameLst>
-                                          <p:attrName>style.visibility</p:attrName>
-                                        </p:attrNameLst>
-                                      </p:cBhvr>
-                                      <p:to>
-                                        <p:strVal val="visible"/>
-                                      </p:to>
-                                    </p:set>
-                                    <p:anim calcmode="lin" valueType="num">
-                                      <p:cBhvr additive="base">
-                                        <p:cTn id="11" dur="500" fill="hold"/>
-                                        <p:tgtEl>
-                                          <p:spTgt spid="6"/>
-                                        </p:tgtEl>
-                                        <p:attrNameLst>
-                                          <p:attrName>ppt_x</p:attrName>
-                                        </p:attrNameLst>
-                                      </p:cBhvr>
-                                      <p:tavLst>
-                                        <p:tav tm="0">
-                                          <p:val>
-                                            <p:strVal val="#ppt_x"/>
-                                          </p:val>
-                                        </p:tav>
-                                        <p:tav tm="100000">
-                                          <p:val>
-                                            <p:strVal val="#ppt_x"/>
-                                          </p:val>
-                                        </p:tav>
-                                      </p:tavLst>
-                                    </p:anim>
-                                    <p:anim calcmode="lin" valueType="num">
-                                      <p:cBhvr additive="base">
-                                        <p:cTn id="12" dur="500" fill="hold"/>
-                                        <p:tgtEl>
-                                          <p:spTgt spid="6"/>
-                                        </p:tgtEl>
-                                        <p:attrNameLst>
-                                          <p:attrName>ppt_y</p:attrName>
-                                        </p:attrNameLst>
-                                      </p:cBhvr>
-                                      <p:tavLst>
-                                        <p:tav tm="0">
-                                          <p:val>
-                                            <p:strVal val="1+#ppt_h/2"/>
-                                          </p:val>
-                                        </p:tav>
-                                        <p:tav tm="100000">
-                                          <p:val>
-                                            <p:strVal val="#ppt_y"/>
-                                          </p:val>
-                                        </p:tav>
-                                      </p:tavLst>
-                                    </p:anim>
-                                  </p:childTnLst>
-                                </p:cTn>
-                              </p:par>
-                            </p:childTnLst>
-                          </p:cTn>
-                        </p:par>
-                      </p:childTnLst>
-                    </p:cTn>
-                  </p:par>
-                  <p:par>
-                    <p:cTn id="13" fill="hold">
-                      <p:stCondLst>
-                        <p:cond delay="indefinite"/>
-                      </p:stCondLst>
-                      <p:childTnLst>
-                        <p:par>
-                          <p:cTn id="14" fill="hold">
-                            <p:stCondLst>
-                              <p:cond delay="0"/>
-                            </p:stCondLst>
-                            <p:childTnLst>
-                              <p:par>
-                                <p:cTn id="15" presetID="2" presetClass="entr" presetSubtype="4" fill="hold" nodeType="clickEffect">
-                                  <p:stCondLst>
-                                    <p:cond delay="0"/>
-                                  </p:stCondLst>
-                                  <p:childTnLst>
-                                    <p:set>
-                                      <p:cBhvr>
-                                        <p:cTn id="16" dur="1" fill="hold">
-                                          <p:stCondLst>
-                                            <p:cond delay="0"/>
-                                          </p:stCondLst>
-                                        </p:cTn>
-                                        <p:tgtEl>
-                                          <p:spTgt spid="3">
-                                            <p:txEl>
-                                              <p:pRg st="3" end="3"/>
-                                            </p:txEl>
-                                          </p:spTgt>
-                                        </p:tgtEl>
-                                        <p:attrNameLst>
-                                          <p:attrName>style.visibility</p:attrName>
-                                        </p:attrNameLst>
-                                      </p:cBhvr>
-                                      <p:to>
-                                        <p:strVal val="visible"/>
-                                      </p:to>
-                                    </p:set>
-                                    <p:anim calcmode="lin" valueType="num">
-                                      <p:cBhvr additive="base">
-                                        <p:cTn id="17" dur="500" fill="hold"/>
-                                        <p:tgtEl>
-                                          <p:spTgt spid="3">
-                                            <p:txEl>
-                                              <p:pRg st="3" end="3"/>
-                                            </p:txEl>
-                                          </p:spTgt>
-                                        </p:tgtEl>
-                                        <p:attrNameLst>
-                                          <p:attrName>ppt_x</p:attrName>
-                                        </p:attrNameLst>
-                                      </p:cBhvr>
-                                      <p:tavLst>
-                                        <p:tav tm="0">
-                                          <p:val>
-                                            <p:strVal val="#ppt_x"/>
-                                          </p:val>
-                                        </p:tav>
-                                        <p:tav tm="100000">
-                                          <p:val>
-                                            <p:strVal val="#ppt_x"/>
-                                          </p:val>
-                                        </p:tav>
-                                      </p:tavLst>
-                                    </p:anim>
-                                    <p:anim calcmode="lin" valueType="num">
-                                      <p:cBhvr additive="base">
-                                        <p:cTn id="18" dur="500" fill="hold"/>
-                                        <p:tgtEl>
-                                          <p:spTgt spid="3">
-                                            <p:txEl>
-                                              <p:pRg st="3" end="3"/>
-                                            </p:txEl>
-                                          </p:spTgt>
-                                        </p:tgtEl>
-                                        <p:attrNameLst>
-                                          <p:attrName>ppt_y</p:attrName>
-                                        </p:attrNameLst>
-                                      </p:cBhvr>
-                                      <p:tavLst>
-                                        <p:tav tm="0">
-                                          <p:val>
-                                            <p:strVal val="1+#ppt_h/2"/>
-                                          </p:val>
-                                        </p:tav>
-                                        <p:tav tm="100000">
-                                          <p:val>
-                                            <p:strVal val="#ppt_y"/>
-                                          </p:val>
-                                        </p:tav>
-                                      </p:tavLst>
-                                    </p:anim>
-                                  </p:childTnLst>
-                                </p:cTn>
-                              </p:par>
-                            </p:childTnLst>
-                          </p:cTn>
-                        </p:par>
-                      </p:childTnLst>
-                    </p:cTn>
-                  </p:par>
-                  <p:par>
-                    <p:cTn id="19" fill="hold">
-                      <p:stCondLst>
-                        <p:cond delay="indefinite"/>
-                      </p:stCondLst>
-                      <p:childTnLst>
-                        <p:par>
-                          <p:cTn id="20" fill="hold">
-                            <p:stCondLst>
-                              <p:cond delay="0"/>
-                            </p:stCondLst>
-                            <p:childTnLst>
-                              <p:par>
-                                <p:cTn id="21" presetID="2" presetClass="entr" presetSubtype="4" fill="hold" nodeType="clickEffect">
-                                  <p:stCondLst>
-                                    <p:cond delay="0"/>
-                                  </p:stCondLst>
-                                  <p:childTnLst>
-                                    <p:set>
-                                      <p:cBhvr>
-                                        <p:cTn id="22" dur="1" fill="hold">
-                                          <p:stCondLst>
-                                            <p:cond delay="0"/>
-                                          </p:stCondLst>
-                                        </p:cTn>
-                                        <p:tgtEl>
-                                          <p:spTgt spid="8"/>
-                                        </p:tgtEl>
-                                        <p:attrNameLst>
-                                          <p:attrName>style.visibility</p:attrName>
-                                        </p:attrNameLst>
-                                      </p:cBhvr>
-                                      <p:to>
-                                        <p:strVal val="visible"/>
-                                      </p:to>
-                                    </p:set>
-                                    <p:anim calcmode="lin" valueType="num">
-                                      <p:cBhvr additive="base">
-                                        <p:cTn id="23" dur="500" fill="hold"/>
-                                        <p:tgtEl>
-                                          <p:spTgt spid="8"/>
-                                        </p:tgtEl>
-                                        <p:attrNameLst>
-                                          <p:attrName>ppt_x</p:attrName>
-                                        </p:attrNameLst>
-                                      </p:cBhvr>
-                                      <p:tavLst>
-                                        <p:tav tm="0">
-                                          <p:val>
-                                            <p:strVal val="#ppt_x"/>
-                                          </p:val>
-                                        </p:tav>
-                                        <p:tav tm="100000">
-                                          <p:val>
-                                            <p:strVal val="#ppt_x"/>
-                                          </p:val>
-                                        </p:tav>
-                                      </p:tavLst>
-                                    </p:anim>
-                                    <p:anim calcmode="lin" valueType="num">
-                                      <p:cBhvr additive="base">
-                                        <p:cTn id="24" dur="500" fill="hold"/>
-                                        <p:tgtEl>
-                                          <p:spTgt spid="8"/>
-                                        </p:tgtEl>
-                                        <p:attrNameLst>
-                                          <p:attrName>ppt_y</p:attrName>
-                                        </p:attrNameLst>
-                                      </p:cBhvr>
-                                      <p:tavLst>
-                                        <p:tav tm="0">
-                                          <p:val>
-                                            <p:strVal val="1+#ppt_h/2"/>
-                                          </p:val>
-                                        </p:tav>
-                                        <p:tav tm="100000">
-                                          <p:val>
-                                            <p:strVal val="#ppt_y"/>
-                                          </p:val>
-                                        </p:tav>
-                                      </p:tavLst>
-                                    </p:anim>
-                                  </p:childTnLst>
-                                </p:cTn>
-                              </p:par>
-                            </p:childTnLst>
-                          </p:cTn>
-                        </p:par>
-                      </p:childTnLst>
-                    </p:cTn>
-                  </p:par>
-                  <p:par>
-                    <p:cTn id="25" fill="hold">
-                      <p:stCondLst>
-                        <p:cond delay="indefinite"/>
-                      </p:stCondLst>
-                      <p:childTnLst>
-                        <p:par>
-                          <p:cTn id="26" fill="hold">
-                            <p:stCondLst>
-                              <p:cond delay="0"/>
-                            </p:stCondLst>
-                            <p:childTnLst>
-                              <p:par>
-                                <p:cTn id="27" presetID="2" presetClass="entr" presetSubtype="4" fill="hold" nodeType="clickEffect">
-                                  <p:stCondLst>
-                                    <p:cond delay="0"/>
-                                  </p:stCondLst>
-                                  <p:childTnLst>
-                                    <p:set>
-                                      <p:cBhvr>
-                                        <p:cTn id="28" dur="1" fill="hold">
-                                          <p:stCondLst>
-                                            <p:cond delay="0"/>
-                                          </p:stCondLst>
-                                        </p:cTn>
-                                        <p:tgtEl>
-                                          <p:spTgt spid="3">
-                                            <p:txEl>
-                                              <p:pRg st="6" end="6"/>
-                                            </p:txEl>
-                                          </p:spTgt>
-                                        </p:tgtEl>
-                                        <p:attrNameLst>
-                                          <p:attrName>style.visibility</p:attrName>
-                                        </p:attrNameLst>
-                                      </p:cBhvr>
-                                      <p:to>
-                                        <p:strVal val="visible"/>
-                                      </p:to>
-                                    </p:set>
-                                    <p:anim calcmode="lin" valueType="num">
-                                      <p:cBhvr additive="base">
-                                        <p:cTn id="29" dur="500" fill="hold"/>
-                                        <p:tgtEl>
-                                          <p:spTgt spid="3">
-                                            <p:txEl>
-                                              <p:pRg st="6" end="6"/>
-                                            </p:txEl>
-                                          </p:spTgt>
-                                        </p:tgtEl>
-                                        <p:attrNameLst>
-                                          <p:attrName>ppt_x</p:attrName>
-                                        </p:attrNameLst>
-                                      </p:cBhvr>
-                                      <p:tavLst>
-                                        <p:tav tm="0">
-                                          <p:val>
-                                            <p:strVal val="#ppt_x"/>
-                                          </p:val>
-                                        </p:tav>
-                                        <p:tav tm="100000">
-                                          <p:val>
-                                            <p:strVal val="#ppt_x"/>
-                                          </p:val>
-                                        </p:tav>
-                                      </p:tavLst>
-                                    </p:anim>
-                                    <p:anim calcmode="lin" valueType="num">
-                                      <p:cBhvr additive="base">
-                                        <p:cTn id="30" dur="500" fill="hold"/>
-                                        <p:tgtEl>
-                                          <p:spTgt spid="3">
-                                            <p:txEl>
-                                              <p:pRg st="6" end="6"/>
-                                            </p:txEl>
-                                          </p:spTgt>
-                                        </p:tgtEl>
-                                        <p:attrNameLst>
-                                          <p:attrName>ppt_y</p:attrName>
-                                        </p:attrNameLst>
-                                      </p:cBhvr>
-                                      <p:tavLst>
-                                        <p:tav tm="0">
-                                          <p:val>
-                                            <p:strVal val="1+#ppt_h/2"/>
-                                          </p:val>
-                                        </p:tav>
-                                        <p:tav tm="100000">
-                                          <p:val>
-                                            <p:strVal val="#ppt_y"/>
-                                          </p:val>
-                                        </p:tav>
-                                      </p:tavLst>
-                                    </p:anim>
-                                  </p:childTnLst>
-                                </p:cTn>
-                              </p:par>
-                            </p:childTnLst>
-                          </p:cTn>
-                        </p:par>
-                      </p:childTnLst>
-                    </p:cTn>
-                  </p:par>
-                  <p:par>
-                    <p:cTn id="31" fill="hold">
-                      <p:stCondLst>
-                        <p:cond delay="indefinite"/>
-                      </p:stCondLst>
-                      <p:childTnLst>
-                        <p:par>
-                          <p:cTn id="32" fill="hold">
-                            <p:stCondLst>
-                              <p:cond delay="0"/>
-                            </p:stCondLst>
-                            <p:childTnLst>
-                              <p:par>
-                                <p:cTn id="33" presetID="2" presetClass="entr" presetSubtype="4" fill="hold" nodeType="clickEffect">
-                                  <p:stCondLst>
-                                    <p:cond delay="0"/>
-                                  </p:stCondLst>
-                                  <p:childTnLst>
-                                    <p:set>
-                                      <p:cBhvr>
-                                        <p:cTn id="34" dur="1" fill="hold">
-                                          <p:stCondLst>
-                                            <p:cond delay="0"/>
-                                          </p:stCondLst>
-                                        </p:cTn>
-                                        <p:tgtEl>
-                                          <p:spTgt spid="10"/>
-                                        </p:tgtEl>
-                                        <p:attrNameLst>
-                                          <p:attrName>style.visibility</p:attrName>
-                                        </p:attrNameLst>
-                                      </p:cBhvr>
-                                      <p:to>
-                                        <p:strVal val="visible"/>
-                                      </p:to>
-                                    </p:set>
-                                    <p:anim calcmode="lin" valueType="num">
-                                      <p:cBhvr additive="base">
-                                        <p:cTn id="35" dur="500" fill="hold"/>
-                                        <p:tgtEl>
-                                          <p:spTgt spid="10"/>
-                                        </p:tgtEl>
-                                        <p:attrNameLst>
-                                          <p:attrName>ppt_x</p:attrName>
-                                        </p:attrNameLst>
-                                      </p:cBhvr>
-                                      <p:tavLst>
-                                        <p:tav tm="0">
-                                          <p:val>
-                                            <p:strVal val="#ppt_x"/>
-                                          </p:val>
-                                        </p:tav>
-                                        <p:tav tm="100000">
-                                          <p:val>
-                                            <p:strVal val="#ppt_x"/>
-                                          </p:val>
-                                        </p:tav>
-                                      </p:tavLst>
-                                    </p:anim>
-                                    <p:anim calcmode="lin" valueType="num">
-                                      <p:cBhvr additive="base">
-                                        <p:cTn id="36" dur="500" fill="hold"/>
-                                        <p:tgtEl>
-                                          <p:spTgt spid="10"/>
-                                        </p:tgtEl>
-                                        <p:attrNameLst>
-                                          <p:attrName>ppt_y</p:attrName>
-                                        </p:attrNameLst>
-                                      </p:cBhvr>
-                                      <p:tavLst>
-                                        <p:tav tm="0">
-                                          <p:val>
-                                            <p:strVal val="1+#ppt_h/2"/>
-                                          </p:val>
-                                        </p:tav>
-                                        <p:tav tm="100000">
-                                          <p:val>
-                                            <p:strVal val="#ppt_y"/>
-                                          </p:val>
-                                        </p:tav>
-                                      </p:tavLst>
-                                    </p:anim>
-                                  </p:childTnLst>
-                                </p:cTn>
-                              </p:par>
-                            </p:childTnLst>
-                          </p:cTn>
-                        </p:par>
-                      </p:childTnLst>
-                    </p:cTn>
-                  </p:par>
-                </p:childTnLst>
-              </p:cTn>
-              <p:prevCondLst>
-                <p:cond evt="onPrev" delay="0">
-                  <p:tgtEl>
-                    <p:sldTgt/>
-                  </p:tgtEl>
-                </p:cond>
-              </p:prevCondLst>
-              <p:nextCondLst>
-                <p:cond evt="onNext" delay="0">
-                  <p:tgtEl>
-                    <p:sldTgt/>
-                  </p:tgtEl>
-                </p:cond>
-              </p:nextCondLst>
-            </p:seq>
-          </p:childTnLst>
-        </p:cTn>
-      </p:par>
-    </p:tnLst>
-  </p:timing>
 </p:sld>
 </file>
 
@@ -5950,7 +5723,7 @@
           <a:p>
             <a:r>
               <a:rPr lang="en-US" dirty="0"/>
-              <a:t>items</a:t>
+              <a:t>Main Features </a:t>
             </a:r>
           </a:p>
         </p:txBody>
@@ -5967,154 +5740,57 @@
         </p:nvSpPr>
         <p:spPr/>
         <p:txBody>
-          <a:bodyPr/>
-          <a:lstStyle/>
-          <a:p>
-            <a:pPr marL="182880" lvl="2">
-              <a:spcBef>
-                <a:spcPts val="1200"/>
-              </a:spcBef>
-              <a:spcAft>
-                <a:spcPts val="0"/>
-              </a:spcAft>
+          <a:bodyPr>
+            <a:normAutofit fontScale="92500" lnSpcReduction="20000"/>
+          </a:bodyPr>
+          <a:lstStyle/>
+          <a:p>
+            <a:r>
+              <a:rPr lang="en-US" sz="3200" dirty="0" smtClean="0"/>
+              <a:t>The game environment is relatable to the target group.</a:t>
+            </a:r>
+            <a:endParaRPr lang="en-US" sz="3200" dirty="0" smtClean="0"/>
+          </a:p>
+          <a:p>
+            <a:r>
+              <a:rPr lang="en-US" sz="3200" dirty="0" smtClean="0"/>
+              <a:t>There </a:t>
+            </a:r>
+            <a:r>
+              <a:rPr lang="en-US" sz="3200" dirty="0"/>
+              <a:t>is sound throughout the entirety of the game which changes in some rooms like the basement and bathroom</a:t>
+            </a:r>
+          </a:p>
+          <a:p>
+            <a:r>
+              <a:rPr lang="en-US" sz="3200" dirty="0"/>
+              <a:t>Mini game to get a key component to winning the game</a:t>
+            </a:r>
+          </a:p>
+          <a:p>
+            <a:r>
+              <a:rPr lang="en-US" sz="3200" dirty="0"/>
+              <a:t>We have incorporated a timer function which is used in multiple places in the program</a:t>
+            </a:r>
+          </a:p>
+          <a:p>
+            <a:pPr lvl="1"/>
+            <a:r>
+              <a:rPr lang="en-US" sz="3200" dirty="0"/>
+              <a:t>Time limit for the whole game</a:t>
+            </a:r>
+          </a:p>
+          <a:p>
+            <a:pPr lvl="1"/>
+            <a:r>
+              <a:rPr lang="en-US" sz="3200" dirty="0"/>
+              <a:t>Time limit during mini game</a:t>
+            </a:r>
+          </a:p>
+          <a:p>
+            <a:pPr marL="274320" lvl="1" indent="0">
+              <a:buNone/>
             </a:pPr>
-            <a:r>
-              <a:rPr lang="en-US" sz="2000" dirty="0">
-                <a:solidFill>
-                  <a:srgbClr val="FF0000"/>
-                </a:solidFill>
-              </a:rPr>
-              <a:t>Keys: </a:t>
-            </a:r>
-            <a:r>
-              <a:rPr lang="en-GB" sz="2000" dirty="0"/>
-              <a:t>To escape via front door</a:t>
-            </a:r>
-          </a:p>
-          <a:p>
-            <a:pPr marL="182880" lvl="2">
-              <a:spcBef>
-                <a:spcPts val="1200"/>
-              </a:spcBef>
-              <a:spcAft>
-                <a:spcPts val="0"/>
-              </a:spcAft>
-            </a:pPr>
-            <a:r>
-              <a:rPr lang="en-GB" sz="2000" dirty="0">
-                <a:solidFill>
-                  <a:srgbClr val="FF0000"/>
-                </a:solidFill>
-              </a:rPr>
-              <a:t>Backpack:</a:t>
-            </a:r>
-            <a:r>
-              <a:rPr lang="en-GB" sz="2000" dirty="0"/>
-              <a:t> To store coke and vodka</a:t>
-            </a:r>
-            <a:endParaRPr lang="en-US" sz="2000" dirty="0"/>
-          </a:p>
-          <a:p>
-            <a:r>
-              <a:rPr lang="en-US" dirty="0">
-                <a:solidFill>
-                  <a:srgbClr val="FF0000"/>
-                </a:solidFill>
-              </a:rPr>
-              <a:t>Rope:</a:t>
-            </a:r>
-            <a:r>
-              <a:rPr lang="en-GB" dirty="0">
-                <a:solidFill>
-                  <a:srgbClr val="FF0000"/>
-                </a:solidFill>
-              </a:rPr>
-              <a:t> </a:t>
-            </a:r>
-            <a:r>
-              <a:rPr lang="en-GB" dirty="0"/>
-              <a:t>To climb out of his bedroom window </a:t>
-            </a:r>
-            <a:endParaRPr lang="en-US" dirty="0"/>
-          </a:p>
-          <a:p>
-            <a:r>
-              <a:rPr lang="en-US" dirty="0">
-                <a:solidFill>
-                  <a:srgbClr val="FF0000"/>
-                </a:solidFill>
-              </a:rPr>
-              <a:t>Lighter &amp; Deodorant: </a:t>
-            </a:r>
-            <a:r>
-              <a:rPr lang="en-GB" dirty="0"/>
-              <a:t>To clear spider webs</a:t>
-            </a:r>
-            <a:endParaRPr lang="en-US" dirty="0">
-              <a:solidFill>
-                <a:srgbClr val="FF0000"/>
-              </a:solidFill>
-            </a:endParaRPr>
-          </a:p>
-          <a:p>
-            <a:r>
-              <a:rPr lang="en-US" dirty="0">
-                <a:solidFill>
-                  <a:srgbClr val="FF0000"/>
-                </a:solidFill>
-              </a:rPr>
-              <a:t>Flashlight</a:t>
-            </a:r>
-            <a:r>
-              <a:rPr lang="en-US" dirty="0">
-                <a:solidFill>
-                  <a:schemeClr val="accent1"/>
-                </a:solidFill>
-              </a:rPr>
-              <a:t>:</a:t>
-            </a:r>
-            <a:r>
-              <a:rPr lang="en-US" dirty="0"/>
-              <a:t> For items which are beyond Billy’s vision</a:t>
-            </a:r>
-          </a:p>
-          <a:p>
-            <a:r>
-              <a:rPr lang="en-US" dirty="0">
-                <a:solidFill>
-                  <a:srgbClr val="FF0000"/>
-                </a:solidFill>
-              </a:rPr>
-              <a:t>Glasses</a:t>
-            </a:r>
-            <a:r>
-              <a:rPr lang="en-US" dirty="0">
-                <a:solidFill>
-                  <a:schemeClr val="accent1"/>
-                </a:solidFill>
-              </a:rPr>
-              <a:t>:</a:t>
-            </a:r>
-            <a:r>
-              <a:rPr lang="en-US" dirty="0"/>
-              <a:t> To improve Billy’s vision</a:t>
-            </a:r>
-          </a:p>
-          <a:p>
-            <a:r>
-              <a:rPr lang="en-US" dirty="0">
-                <a:solidFill>
-                  <a:srgbClr val="FF0000"/>
-                </a:solidFill>
-              </a:rPr>
-              <a:t>Watch: </a:t>
-            </a:r>
-            <a:r>
-              <a:rPr lang="en-US" dirty="0"/>
-              <a:t>To check how much longer Billy has to escape</a:t>
-            </a:r>
-          </a:p>
-          <a:p>
             <a:endParaRPr lang="en-US" dirty="0"/>
           </a:p>
         </p:txBody>
@@ -6122,7 +5798,7 @@
     </p:spTree>
     <p:extLst>
       <p:ext uri="{BB962C8B-B14F-4D97-AF65-F5344CB8AC3E}">
-        <p14:creationId xmlns:p14="http://schemas.microsoft.com/office/powerpoint/2010/main" val="702952358"/>
+        <p14:creationId xmlns:p14="http://schemas.microsoft.com/office/powerpoint/2010/main" val="973314950"/>
       </p:ext>
     </p:extLst>
   </p:cSld>
@@ -6165,8 +5841,12 @@
           <a:lstStyle/>
           <a:p>
             <a:r>
+              <a:rPr lang="en-US" dirty="0" err="1"/>
+              <a:t>Billy’S</a:t>
+            </a:r>
+            <a:r>
               <a:rPr lang="en-US" dirty="0"/>
-              <a:t>Main Features </a:t>
+              <a:t> escape :</a:t>
             </a:r>
           </a:p>
         </p:txBody>
@@ -6181,54 +5861,371 @@
             <p:ph idx="1"/>
           </p:nvPr>
         </p:nvSpPr>
-        <p:spPr/>
-        <p:txBody>
-          <a:bodyPr/>
-          <a:lstStyle/>
-          <a:p>
-            <a:r>
-              <a:rPr lang="en-US" dirty="0"/>
-              <a:t>There is sound throughout the entirety of the game which changes in some rooms like the basement and bathroom</a:t>
-            </a:r>
-          </a:p>
-          <a:p>
-            <a:r>
-              <a:rPr lang="en-US" dirty="0"/>
-              <a:t>Mini game to get a key component to winning the game</a:t>
-            </a:r>
-          </a:p>
-          <a:p>
-            <a:r>
-              <a:rPr lang="en-US" dirty="0"/>
-              <a:t>We have incorporated a timer function which is used in multiple places in the program</a:t>
-            </a:r>
-          </a:p>
-          <a:p>
-            <a:pPr lvl="1"/>
-            <a:r>
-              <a:rPr lang="en-US" dirty="0"/>
-              <a:t>Time limit for the whole game</a:t>
-            </a:r>
-          </a:p>
-          <a:p>
-            <a:pPr lvl="1"/>
-            <a:r>
-              <a:rPr lang="en-US" dirty="0"/>
-              <a:t>Time limit during mini game</a:t>
-            </a:r>
-          </a:p>
-          <a:p>
-            <a:pPr marL="274320" lvl="1" indent="0">
+        <p:spPr>
+          <a:xfrm>
+            <a:off x="1069848" y="1949553"/>
+            <a:ext cx="10058400" cy="2256039"/>
+          </a:xfrm>
+        </p:spPr>
+        <p:txBody>
+          <a:bodyPr>
+            <a:normAutofit/>
+          </a:bodyPr>
+          <a:lstStyle/>
+          <a:p>
+            <a:r>
+              <a:rPr lang="en-US" sz="3200" dirty="0"/>
+              <a:t>Billy’s escape is a text based adventure game </a:t>
+            </a:r>
+          </a:p>
+          <a:p>
+            <a:r>
+              <a:rPr lang="en-US" sz="3200" dirty="0"/>
+              <a:t>Billy is a teenager who wants to escape the house for a legendary house party </a:t>
+            </a:r>
+            <a:r>
+              <a:rPr lang="en-US" sz="3200" dirty="0">
+                <a:solidFill>
+                  <a:srgbClr val="FF0000"/>
+                </a:solidFill>
+              </a:rPr>
+              <a:t>without being caught from his parents </a:t>
+            </a:r>
+          </a:p>
+        </p:txBody>
+      </p:sp>
+      <p:sp>
+        <p:nvSpPr>
+          <p:cNvPr id="4" name="Title 1"/>
+          <p:cNvSpPr txBox="1">
+            <a:spLocks/>
+          </p:cNvSpPr>
+          <p:nvPr/>
+        </p:nvSpPr>
+        <p:spPr>
+          <a:xfrm>
+            <a:off x="1069848" y="4061168"/>
+            <a:ext cx="10058400" cy="1609344"/>
+          </a:xfrm>
+          <a:prstGeom prst="rect">
+            <a:avLst/>
+          </a:prstGeom>
+        </p:spPr>
+        <p:txBody>
+          <a:bodyPr vert="horz" lIns="91440" tIns="45720" rIns="91440" bIns="45720" rtlCol="0" anchor="ctr">
+            <a:normAutofit/>
+          </a:bodyPr>
+          <a:lstStyle>
+            <a:lvl1pPr algn="l" defTabSz="914400" rtl="0" eaLnBrk="1" latinLnBrk="0" hangingPunct="1">
+              <a:lnSpc>
+                <a:spcPct val="90000"/>
+              </a:lnSpc>
+              <a:spcBef>
+                <a:spcPct val="0"/>
+              </a:spcBef>
               <a:buNone/>
-            </a:pPr>
-            <a:endParaRPr lang="en-US" dirty="0"/>
+              <a:defRPr sz="5400" kern="1200" cap="all" baseline="0">
+                <a:blipFill>
+                  <a:blip r:embed="rId2">
+                    <a:extLst>
+                      <a:ext uri="{28A0092B-C50C-407E-A947-70E740481C1C}">
+                        <a14:useLocalDpi xmlns:a14="http://schemas.microsoft.com/office/drawing/2010/main" val="0"/>
+                      </a:ext>
+                    </a:extLst>
+                  </a:blip>
+                  <a:tile tx="6350" ty="-127000" sx="65000" sy="64000" flip="none" algn="tl"/>
+                </a:blipFill>
+                <a:latin typeface="+mj-lt"/>
+                <a:ea typeface="+mj-ea"/>
+                <a:cs typeface="+mj-cs"/>
+              </a:defRPr>
+            </a:lvl1pPr>
+          </a:lstStyle>
+          <a:p>
+            <a:r>
+              <a:rPr lang="en-GB" smtClean="0"/>
+              <a:t>SOUND:</a:t>
+            </a:r>
+            <a:endParaRPr lang="en-GB" dirty="0"/>
+          </a:p>
+        </p:txBody>
+      </p:sp>
+      <p:sp>
+        <p:nvSpPr>
+          <p:cNvPr id="5" name="Content Placeholder 2"/>
+          <p:cNvSpPr txBox="1">
+            <a:spLocks/>
+          </p:cNvSpPr>
+          <p:nvPr/>
+        </p:nvSpPr>
+        <p:spPr>
+          <a:xfrm>
+            <a:off x="1069848" y="5456892"/>
+            <a:ext cx="10058400" cy="427239"/>
+          </a:xfrm>
+          <a:prstGeom prst="rect">
+            <a:avLst/>
+          </a:prstGeom>
+        </p:spPr>
+        <p:txBody>
+          <a:bodyPr vert="horz" lIns="91440" tIns="45720" rIns="91440" bIns="45720" rtlCol="0">
+            <a:noAutofit/>
+          </a:bodyPr>
+          <a:lstStyle>
+            <a:lvl1pPr marL="182880" indent="-182880" algn="l" defTabSz="914400" rtl="0" eaLnBrk="1" latinLnBrk="0" hangingPunct="1">
+              <a:lnSpc>
+                <a:spcPct val="90000"/>
+              </a:lnSpc>
+              <a:spcBef>
+                <a:spcPts val="1200"/>
+              </a:spcBef>
+              <a:buClr>
+                <a:schemeClr val="accent1">
+                  <a:lumMod val="75000"/>
+                </a:schemeClr>
+              </a:buClr>
+              <a:buSzPct val="85000"/>
+              <a:buFont typeface="Wingdings" pitchFamily="2" charset="2"/>
+              <a:buChar char="§"/>
+              <a:defRPr sz="2000" kern="1200">
+                <a:solidFill>
+                  <a:schemeClr val="tx1"/>
+                </a:solidFill>
+                <a:latin typeface="+mn-lt"/>
+                <a:ea typeface="+mn-ea"/>
+                <a:cs typeface="+mn-cs"/>
+              </a:defRPr>
+            </a:lvl1pPr>
+            <a:lvl2pPr marL="457200" indent="-182880" algn="l" defTabSz="914400" rtl="0" eaLnBrk="1" latinLnBrk="0" hangingPunct="1">
+              <a:lnSpc>
+                <a:spcPct val="90000"/>
+              </a:lnSpc>
+              <a:spcBef>
+                <a:spcPts val="400"/>
+              </a:spcBef>
+              <a:spcAft>
+                <a:spcPts val="200"/>
+              </a:spcAft>
+              <a:buClr>
+                <a:schemeClr val="accent1">
+                  <a:lumMod val="75000"/>
+                </a:schemeClr>
+              </a:buClr>
+              <a:buSzPct val="85000"/>
+              <a:buFont typeface="Wingdings" pitchFamily="2" charset="2"/>
+              <a:buChar char="§"/>
+              <a:defRPr sz="1800" kern="1200">
+                <a:solidFill>
+                  <a:schemeClr val="tx1"/>
+                </a:solidFill>
+                <a:latin typeface="+mn-lt"/>
+                <a:ea typeface="+mn-ea"/>
+                <a:cs typeface="+mn-cs"/>
+              </a:defRPr>
+            </a:lvl2pPr>
+            <a:lvl3pPr marL="731520" indent="-182880" algn="l" defTabSz="914400" rtl="0" eaLnBrk="1" latinLnBrk="0" hangingPunct="1">
+              <a:lnSpc>
+                <a:spcPct val="90000"/>
+              </a:lnSpc>
+              <a:spcBef>
+                <a:spcPts val="400"/>
+              </a:spcBef>
+              <a:spcAft>
+                <a:spcPts val="200"/>
+              </a:spcAft>
+              <a:buClr>
+                <a:schemeClr val="accent1">
+                  <a:lumMod val="75000"/>
+                </a:schemeClr>
+              </a:buClr>
+              <a:buSzPct val="85000"/>
+              <a:buFont typeface="Wingdings" pitchFamily="2" charset="2"/>
+              <a:buChar char="§"/>
+              <a:defRPr sz="1600" kern="1200">
+                <a:solidFill>
+                  <a:schemeClr val="tx1"/>
+                </a:solidFill>
+                <a:latin typeface="+mn-lt"/>
+                <a:ea typeface="+mn-ea"/>
+                <a:cs typeface="+mn-cs"/>
+              </a:defRPr>
+            </a:lvl3pPr>
+            <a:lvl4pPr marL="1005840" indent="-182880" algn="l" defTabSz="914400" rtl="0" eaLnBrk="1" latinLnBrk="0" hangingPunct="1">
+              <a:lnSpc>
+                <a:spcPct val="90000"/>
+              </a:lnSpc>
+              <a:spcBef>
+                <a:spcPts val="400"/>
+              </a:spcBef>
+              <a:spcAft>
+                <a:spcPts val="200"/>
+              </a:spcAft>
+              <a:buClr>
+                <a:schemeClr val="accent1">
+                  <a:lumMod val="75000"/>
+                </a:schemeClr>
+              </a:buClr>
+              <a:buSzPct val="85000"/>
+              <a:buFont typeface="Wingdings" pitchFamily="2" charset="2"/>
+              <a:buChar char="§"/>
+              <a:defRPr sz="1600" kern="1200">
+                <a:solidFill>
+                  <a:schemeClr val="tx1"/>
+                </a:solidFill>
+                <a:latin typeface="+mn-lt"/>
+                <a:ea typeface="+mn-ea"/>
+                <a:cs typeface="+mn-cs"/>
+              </a:defRPr>
+            </a:lvl4pPr>
+            <a:lvl5pPr marL="1280160" indent="-182880" algn="l" defTabSz="914400" rtl="0" eaLnBrk="1" latinLnBrk="0" hangingPunct="1">
+              <a:lnSpc>
+                <a:spcPct val="90000"/>
+              </a:lnSpc>
+              <a:spcBef>
+                <a:spcPts val="400"/>
+              </a:spcBef>
+              <a:spcAft>
+                <a:spcPts val="200"/>
+              </a:spcAft>
+              <a:buClr>
+                <a:schemeClr val="accent1">
+                  <a:lumMod val="75000"/>
+                </a:schemeClr>
+              </a:buClr>
+              <a:buSzPct val="85000"/>
+              <a:buFont typeface="Wingdings" pitchFamily="2" charset="2"/>
+              <a:buChar char="§"/>
+              <a:defRPr sz="1600" kern="1200">
+                <a:solidFill>
+                  <a:schemeClr val="tx1"/>
+                </a:solidFill>
+                <a:latin typeface="+mn-lt"/>
+                <a:ea typeface="+mn-ea"/>
+                <a:cs typeface="+mn-cs"/>
+              </a:defRPr>
+            </a:lvl5pPr>
+            <a:lvl6pPr marL="1600000" indent="-228600" algn="l" defTabSz="914400" rtl="0" eaLnBrk="1" latinLnBrk="0" hangingPunct="1">
+              <a:lnSpc>
+                <a:spcPct val="90000"/>
+              </a:lnSpc>
+              <a:spcBef>
+                <a:spcPts val="400"/>
+              </a:spcBef>
+              <a:spcAft>
+                <a:spcPts val="200"/>
+              </a:spcAft>
+              <a:buClr>
+                <a:schemeClr val="accent1">
+                  <a:lumMod val="75000"/>
+                </a:schemeClr>
+              </a:buClr>
+              <a:buSzPct val="85000"/>
+              <a:buFont typeface="Wingdings" pitchFamily="2" charset="2"/>
+              <a:buChar char="§"/>
+              <a:defRPr sz="1600" kern="1200">
+                <a:solidFill>
+                  <a:schemeClr val="tx1"/>
+                </a:solidFill>
+                <a:latin typeface="+mn-lt"/>
+                <a:ea typeface="+mn-ea"/>
+                <a:cs typeface="+mn-cs"/>
+              </a:defRPr>
+            </a:lvl6pPr>
+            <a:lvl7pPr marL="1900000" indent="-228600" algn="l" defTabSz="914400" rtl="0" eaLnBrk="1" latinLnBrk="0" hangingPunct="1">
+              <a:lnSpc>
+                <a:spcPct val="90000"/>
+              </a:lnSpc>
+              <a:spcBef>
+                <a:spcPts val="400"/>
+              </a:spcBef>
+              <a:spcAft>
+                <a:spcPts val="200"/>
+              </a:spcAft>
+              <a:buClr>
+                <a:schemeClr val="accent1">
+                  <a:lumMod val="75000"/>
+                </a:schemeClr>
+              </a:buClr>
+              <a:buSzPct val="85000"/>
+              <a:buFont typeface="Wingdings" pitchFamily="2" charset="2"/>
+              <a:buChar char="§"/>
+              <a:defRPr sz="1600" kern="1200">
+                <a:solidFill>
+                  <a:schemeClr val="tx1"/>
+                </a:solidFill>
+                <a:latin typeface="+mn-lt"/>
+                <a:ea typeface="+mn-ea"/>
+                <a:cs typeface="+mn-cs"/>
+              </a:defRPr>
+            </a:lvl7pPr>
+            <a:lvl8pPr marL="2200000" indent="-228600" algn="l" defTabSz="914400" rtl="0" eaLnBrk="1" latinLnBrk="0" hangingPunct="1">
+              <a:lnSpc>
+                <a:spcPct val="90000"/>
+              </a:lnSpc>
+              <a:spcBef>
+                <a:spcPts val="400"/>
+              </a:spcBef>
+              <a:spcAft>
+                <a:spcPts val="200"/>
+              </a:spcAft>
+              <a:buClr>
+                <a:schemeClr val="accent1">
+                  <a:lumMod val="75000"/>
+                </a:schemeClr>
+              </a:buClr>
+              <a:buSzPct val="85000"/>
+              <a:buFont typeface="Wingdings" pitchFamily="2" charset="2"/>
+              <a:buChar char="§"/>
+              <a:defRPr sz="1600" kern="1200">
+                <a:solidFill>
+                  <a:schemeClr val="tx1"/>
+                </a:solidFill>
+                <a:latin typeface="+mn-lt"/>
+                <a:ea typeface="+mn-ea"/>
+                <a:cs typeface="+mn-cs"/>
+              </a:defRPr>
+            </a:lvl8pPr>
+            <a:lvl9pPr marL="2500000" indent="-228600" algn="l" defTabSz="914400" rtl="0" eaLnBrk="1" latinLnBrk="0" hangingPunct="1">
+              <a:lnSpc>
+                <a:spcPct val="90000"/>
+              </a:lnSpc>
+              <a:spcBef>
+                <a:spcPts val="400"/>
+              </a:spcBef>
+              <a:spcAft>
+                <a:spcPts val="200"/>
+              </a:spcAft>
+              <a:buClr>
+                <a:schemeClr val="accent1">
+                  <a:lumMod val="75000"/>
+                </a:schemeClr>
+              </a:buClr>
+              <a:buSzPct val="85000"/>
+              <a:buFont typeface="Wingdings" pitchFamily="2" charset="2"/>
+              <a:buChar char="§"/>
+              <a:defRPr sz="1600" kern="1200">
+                <a:solidFill>
+                  <a:schemeClr val="tx1"/>
+                </a:solidFill>
+                <a:latin typeface="+mn-lt"/>
+                <a:ea typeface="+mn-ea"/>
+                <a:cs typeface="+mn-cs"/>
+              </a:defRPr>
+            </a:lvl9pPr>
+          </a:lstStyle>
+          <a:p>
+            <a:r>
+              <a:rPr lang="en-GB" sz="3200" dirty="0" smtClean="0"/>
+              <a:t>Adds depth to the game.</a:t>
+            </a:r>
+            <a:endParaRPr lang="en-GB" sz="3200" dirty="0"/>
           </a:p>
         </p:txBody>
       </p:sp>
     </p:spTree>
     <p:extLst>
       <p:ext uri="{BB962C8B-B14F-4D97-AF65-F5344CB8AC3E}">
-        <p14:creationId xmlns:p14="http://schemas.microsoft.com/office/powerpoint/2010/main" val="973314950"/>
+        <p14:creationId xmlns:p14="http://schemas.microsoft.com/office/powerpoint/2010/main" val="44385216"/>
       </p:ext>
     </p:extLst>
   </p:cSld>
@@ -6239,6 +6236,102 @@
 </file>
 
 <file path=ppt/slides/slide6.xml><?xml version="1.0" encoding="utf-8"?>
+<p:sld xmlns:a="http://schemas.openxmlformats.org/drawingml/2006/main" xmlns:r="http://schemas.openxmlformats.org/officeDocument/2006/relationships" xmlns:p="http://schemas.openxmlformats.org/presentationml/2006/main">
+  <p:cSld>
+    <p:spTree>
+      <p:nvGrpSpPr>
+        <p:cNvPr id="1" name=""/>
+        <p:cNvGrpSpPr/>
+        <p:nvPr/>
+      </p:nvGrpSpPr>
+      <p:grpSpPr>
+        <a:xfrm>
+          <a:off x="0" y="0"/>
+          <a:ext cx="0" cy="0"/>
+          <a:chOff x="0" y="0"/>
+          <a:chExt cx="0" cy="0"/>
+        </a:xfrm>
+      </p:grpSpPr>
+      <p:sp>
+        <p:nvSpPr>
+          <p:cNvPr id="3" name="Content Placeholder 2"/>
+          <p:cNvSpPr>
+            <a:spLocks noGrp="1"/>
+          </p:cNvSpPr>
+          <p:nvPr>
+            <p:ph idx="1"/>
+          </p:nvPr>
+        </p:nvSpPr>
+        <p:spPr>
+          <a:xfrm>
+            <a:off x="1069848" y="1869267"/>
+            <a:ext cx="10058400" cy="1146307"/>
+          </a:xfrm>
+        </p:spPr>
+        <p:txBody>
+          <a:bodyPr>
+            <a:noAutofit/>
+          </a:bodyPr>
+          <a:lstStyle/>
+          <a:p>
+            <a:r>
+              <a:rPr lang="en-GB" sz="3200" dirty="0" smtClean="0"/>
+              <a:t>Every time Billy enters a new room the description changes a bit.</a:t>
+            </a:r>
+          </a:p>
+          <a:p>
+            <a:r>
+              <a:rPr lang="en-GB" sz="3200" dirty="0" smtClean="0"/>
+              <a:t>Adds diversity and depth to the game.</a:t>
+            </a:r>
+          </a:p>
+          <a:p>
+            <a:endParaRPr lang="en-GB" sz="3200" dirty="0"/>
+          </a:p>
+        </p:txBody>
+      </p:sp>
+      <p:sp>
+        <p:nvSpPr>
+          <p:cNvPr id="4" name="Title 3"/>
+          <p:cNvSpPr>
+            <a:spLocks noGrp="1"/>
+          </p:cNvSpPr>
+          <p:nvPr>
+            <p:ph type="title"/>
+          </p:nvPr>
+        </p:nvSpPr>
+        <p:spPr>
+          <a:xfrm>
+            <a:off x="1069848" y="484632"/>
+            <a:ext cx="10058400" cy="1013428"/>
+          </a:xfrm>
+        </p:spPr>
+        <p:txBody>
+          <a:bodyPr/>
+          <a:lstStyle/>
+          <a:p>
+            <a:r>
+              <a:rPr lang="en-GB" dirty="0" smtClean="0"/>
+              <a:t>DYNAMIC WORLD:</a:t>
+            </a:r>
+            <a:endParaRPr lang="en-GB" dirty="0"/>
+          </a:p>
+        </p:txBody>
+      </p:sp>
+    </p:spTree>
+    <p:extLst>
+      <p:ext uri="{BB962C8B-B14F-4D97-AF65-F5344CB8AC3E}">
+        <p14:creationId xmlns:p14="http://schemas.microsoft.com/office/powerpoint/2010/main" val="424051716"/>
+      </p:ext>
+    </p:extLst>
+  </p:cSld>
+  <p:clrMapOvr>
+    <a:masterClrMapping/>
+  </p:clrMapOvr>
+</p:sld>
+</file>
+
+<file path=ppt/slides/slide7.xml><?xml version="1.0" encoding="utf-8"?>
 <p:sld xmlns:a="http://schemas.openxmlformats.org/drawingml/2006/main" xmlns:r="http://schemas.openxmlformats.org/officeDocument/2006/relationships" xmlns:p="http://schemas.openxmlformats.org/presentationml/2006/main">
   <p:cSld>
     <p:spTree>
@@ -7085,7 +7178,7 @@
           <p:cNvPr id="25" name="Striped Right Arrow 39">
             <a:extLst>
               <a:ext uri="{FF2B5EF4-FFF2-40B4-BE49-F238E27FC236}">
-                <a16:creationId xmlns:a16="http://schemas.microsoft.com/office/drawing/2014/main" id="{50BC5E86-595A-43F3-B1E9-D1AD39E35FF8}"/>
+                <a16:creationId xmlns:a16="http://schemas.microsoft.com/office/drawing/2014/main" xmlns="" id="{50BC5E86-595A-43F3-B1E9-D1AD39E35FF8}"/>
               </a:ext>
             </a:extLst>
           </p:cNvPr>
@@ -7131,7 +7224,7 @@
           <p:cNvPr id="27" name="Rectangle 26">
             <a:extLst>
               <a:ext uri="{FF2B5EF4-FFF2-40B4-BE49-F238E27FC236}">
-                <a16:creationId xmlns:a16="http://schemas.microsoft.com/office/drawing/2014/main" id="{493655F4-B013-4E65-B033-2993057F4FF1}"/>
+                <a16:creationId xmlns:a16="http://schemas.microsoft.com/office/drawing/2014/main" xmlns="" id="{493655F4-B013-4E65-B033-2993057F4FF1}"/>
               </a:ext>
             </a:extLst>
           </p:cNvPr>
@@ -7186,7 +7279,7 @@
           <p:cNvPr id="28" name="Curved Connector 42">
             <a:extLst>
               <a:ext uri="{FF2B5EF4-FFF2-40B4-BE49-F238E27FC236}">
-                <a16:creationId xmlns:a16="http://schemas.microsoft.com/office/drawing/2014/main" id="{8742341F-4403-4AAD-BB0D-F6BAB9D7E1C2}"/>
+                <a16:creationId xmlns:a16="http://schemas.microsoft.com/office/drawing/2014/main" xmlns="" id="{8742341F-4403-4AAD-BB0D-F6BAB9D7E1C2}"/>
               </a:ext>
             </a:extLst>
           </p:cNvPr>
@@ -7227,7 +7320,7 @@
           <p:cNvPr id="32" name="Straight Arrow Connector 31">
             <a:extLst>
               <a:ext uri="{FF2B5EF4-FFF2-40B4-BE49-F238E27FC236}">
-                <a16:creationId xmlns:a16="http://schemas.microsoft.com/office/drawing/2014/main" id="{EFD11275-9112-450D-861D-099E2F0906A1}"/>
+                <a16:creationId xmlns:a16="http://schemas.microsoft.com/office/drawing/2014/main" xmlns="" id="{EFD11275-9112-450D-861D-099E2F0906A1}"/>
               </a:ext>
             </a:extLst>
           </p:cNvPr>
@@ -7276,121 +7369,6 @@
 </p:sld>
 </file>
 
-<file path=ppt/slides/slide7.xml><?xml version="1.0" encoding="utf-8"?>
-<p:sld xmlns:a="http://schemas.openxmlformats.org/drawingml/2006/main" xmlns:r="http://schemas.openxmlformats.org/officeDocument/2006/relationships" xmlns:p="http://schemas.openxmlformats.org/presentationml/2006/main">
-  <p:cSld>
-    <p:spTree>
-      <p:nvGrpSpPr>
-        <p:cNvPr id="1" name=""/>
-        <p:cNvGrpSpPr/>
-        <p:nvPr/>
-      </p:nvGrpSpPr>
-      <p:grpSpPr>
-        <a:xfrm>
-          <a:off x="0" y="0"/>
-          <a:ext cx="0" cy="0"/>
-          <a:chOff x="0" y="0"/>
-          <a:chExt cx="0" cy="0"/>
-        </a:xfrm>
-      </p:grpSpPr>
-      <p:sp>
-        <p:nvSpPr>
-          <p:cNvPr id="2" name="Title 1"/>
-          <p:cNvSpPr>
-            <a:spLocks noGrp="1"/>
-          </p:cNvSpPr>
-          <p:nvPr>
-            <p:ph type="title"/>
-          </p:nvPr>
-        </p:nvSpPr>
-        <p:spPr/>
-        <p:txBody>
-          <a:bodyPr/>
-          <a:lstStyle/>
-          <a:p>
-            <a:pPr algn="l" defTabSz="914400" rtl="0" eaLnBrk="1" latinLnBrk="0" hangingPunct="1">
-              <a:lnSpc>
-                <a:spcPct val="90000"/>
-              </a:lnSpc>
-              <a:spcBef>
-                <a:spcPct val="0"/>
-              </a:spcBef>
-              <a:buNone/>
-            </a:pPr>
-            <a:r>
-              <a:rPr lang="en-US" dirty="0"/>
-              <a:t>creativity</a:t>
-            </a:r>
-          </a:p>
-        </p:txBody>
-      </p:sp>
-      <p:sp>
-        <p:nvSpPr>
-          <p:cNvPr id="3" name="Content Placeholder 2"/>
-          <p:cNvSpPr>
-            <a:spLocks noGrp="1"/>
-          </p:cNvSpPr>
-          <p:nvPr>
-            <p:ph idx="1"/>
-          </p:nvPr>
-        </p:nvSpPr>
-        <p:spPr/>
-        <p:txBody>
-          <a:bodyPr>
-            <a:normAutofit/>
-          </a:bodyPr>
-          <a:lstStyle/>
-          <a:p>
-            <a:r>
-              <a:rPr lang="en-US" sz="2800" dirty="0"/>
-              <a:t>Mini fight game</a:t>
-            </a:r>
-          </a:p>
-          <a:p>
-            <a:r>
-              <a:rPr lang="en-US" sz="2800" dirty="0"/>
-              <a:t>Sounds</a:t>
-            </a:r>
-          </a:p>
-          <a:p>
-            <a:r>
-              <a:rPr lang="en-US" sz="2800" dirty="0"/>
-              <a:t>Ascii art</a:t>
-            </a:r>
-          </a:p>
-          <a:p>
-            <a:r>
-              <a:rPr lang="en-US" sz="2800" dirty="0"/>
-              <a:t>Timer</a:t>
-            </a:r>
-          </a:p>
-          <a:p>
-            <a:r>
-              <a:rPr lang="en-US" sz="2800" dirty="0"/>
-              <a:t>Aimed to incorporate several aspects</a:t>
-            </a:r>
-          </a:p>
-          <a:p>
-            <a:r>
-              <a:rPr lang="en-US" sz="2800" dirty="0"/>
-              <a:t>The difficulty vs enjoyability balance</a:t>
-            </a:r>
-          </a:p>
-        </p:txBody>
-      </p:sp>
-    </p:spTree>
-    <p:extLst>
-      <p:ext uri="{BB962C8B-B14F-4D97-AF65-F5344CB8AC3E}">
-        <p14:creationId xmlns:p14="http://schemas.microsoft.com/office/powerpoint/2010/main" val="287539985"/>
-      </p:ext>
-    </p:extLst>
-  </p:cSld>
-  <p:clrMapOvr>
-    <a:masterClrMapping/>
-  </p:clrMapOvr>
-</p:sld>
-</file>
-
 <file path=ppt/slides/slide8.xml><?xml version="1.0" encoding="utf-8"?>
 <p:sld xmlns:a="http://schemas.openxmlformats.org/drawingml/2006/main" xmlns:r="http://schemas.openxmlformats.org/officeDocument/2006/relationships" xmlns:p="http://schemas.openxmlformats.org/presentationml/2006/main">
   <p:cSld>
@@ -7410,18 +7388,12 @@
       </p:grpSpPr>
       <p:sp>
         <p:nvSpPr>
-          <p:cNvPr id="2" name="Title 1">
-            <a:extLst>
-              <a:ext uri="{FF2B5EF4-FFF2-40B4-BE49-F238E27FC236}">
-                <a16:creationId xmlns:a16="http://schemas.microsoft.com/office/drawing/2014/main" id="{FB8B3887-C883-4A5D-8E51-BF27A9AFBD30}"/>
-              </a:ext>
-            </a:extLst>
-          </p:cNvPr>
-          <p:cNvSpPr>
-            <a:spLocks noGrp="1"/>
-          </p:cNvSpPr>
-          <p:nvPr>
-            <p:ph type="ctrTitle"/>
+          <p:cNvPr id="2" name="Title 1"/>
+          <p:cNvSpPr>
+            <a:spLocks noGrp="1"/>
+          </p:cNvSpPr>
+          <p:nvPr>
+            <p:ph type="title"/>
           </p:nvPr>
         </p:nvSpPr>
         <p:spPr/>
@@ -7430,41 +7402,166 @@
           <a:lstStyle/>
           <a:p>
             <a:r>
+              <a:rPr lang="en-US" dirty="0"/>
+              <a:t>items</a:t>
+            </a:r>
+          </a:p>
+        </p:txBody>
+      </p:sp>
+      <p:sp>
+        <p:nvSpPr>
+          <p:cNvPr id="3" name="Content Placeholder 2"/>
+          <p:cNvSpPr>
+            <a:spLocks noGrp="1"/>
+          </p:cNvSpPr>
+          <p:nvPr>
+            <p:ph idx="1"/>
+          </p:nvPr>
+        </p:nvSpPr>
+        <p:spPr/>
+        <p:txBody>
+          <a:bodyPr/>
+          <a:lstStyle/>
+          <a:p>
+            <a:pPr marL="182880" lvl="2">
+              <a:spcBef>
+                <a:spcPts val="1200"/>
+              </a:spcBef>
+              <a:spcAft>
+                <a:spcPts val="0"/>
+              </a:spcAft>
+            </a:pPr>
+            <a:r>
+              <a:rPr lang="en-GB" sz="2000" dirty="0" smtClean="0">
+                <a:solidFill>
+                  <a:srgbClr val="FF0000"/>
+                </a:solidFill>
+              </a:rPr>
+              <a:t>Backpack</a:t>
+            </a:r>
+            <a:r>
+              <a:rPr lang="en-GB" sz="2000" dirty="0">
+                <a:solidFill>
+                  <a:srgbClr val="FF0000"/>
+                </a:solidFill>
+              </a:rPr>
+              <a:t>:</a:t>
+            </a:r>
+            <a:r>
+              <a:rPr lang="en-GB" sz="2000" dirty="0"/>
+              <a:t> To store coke and vodka</a:t>
+            </a:r>
+            <a:endParaRPr lang="en-US" sz="2000" dirty="0"/>
+          </a:p>
+          <a:p>
+            <a:r>
+              <a:rPr lang="en-US" dirty="0">
+                <a:solidFill>
+                  <a:srgbClr val="FF0000"/>
+                </a:solidFill>
+              </a:rPr>
+              <a:t>Rope:</a:t>
+            </a:r>
+            <a:r>
+              <a:rPr lang="en-GB" dirty="0">
+                <a:solidFill>
+                  <a:srgbClr val="FF0000"/>
+                </a:solidFill>
+              </a:rPr>
+              <a:t> </a:t>
+            </a:r>
+            <a:r>
               <a:rPr lang="en-GB" dirty="0"/>
-              <a:t>Game Demonstration</a:t>
-            </a:r>
-          </a:p>
-        </p:txBody>
-      </p:sp>
-      <p:sp>
-        <p:nvSpPr>
-          <p:cNvPr id="3" name="Subtitle 2">
-            <a:extLst>
-              <a:ext uri="{FF2B5EF4-FFF2-40B4-BE49-F238E27FC236}">
-                <a16:creationId xmlns:a16="http://schemas.microsoft.com/office/drawing/2014/main" id="{BF740646-BE25-4821-868D-4BF60C78F197}"/>
-              </a:ext>
-            </a:extLst>
-          </p:cNvPr>
-          <p:cNvSpPr>
-            <a:spLocks noGrp="1"/>
-          </p:cNvSpPr>
-          <p:nvPr>
-            <p:ph type="subTitle" idx="1"/>
-          </p:nvPr>
-        </p:nvSpPr>
-        <p:spPr/>
-        <p:txBody>
-          <a:bodyPr/>
-          <a:lstStyle/>
-          <a:p>
-            <a:endParaRPr lang="en-GB" dirty="0"/>
+              <a:t>To climb out of his bedroom window </a:t>
+            </a:r>
+            <a:endParaRPr lang="en-US" dirty="0"/>
+          </a:p>
+          <a:p>
+            <a:r>
+              <a:rPr lang="en-US" dirty="0">
+                <a:solidFill>
+                  <a:srgbClr val="FF0000"/>
+                </a:solidFill>
+              </a:rPr>
+              <a:t>Lighter &amp; Deodorant: </a:t>
+            </a:r>
+            <a:r>
+              <a:rPr lang="en-GB" dirty="0"/>
+              <a:t>To clear spider webs</a:t>
+            </a:r>
+            <a:endParaRPr lang="en-US" dirty="0">
+              <a:solidFill>
+                <a:srgbClr val="FF0000"/>
+              </a:solidFill>
+            </a:endParaRPr>
+          </a:p>
+          <a:p>
+            <a:r>
+              <a:rPr lang="en-US" dirty="0">
+                <a:solidFill>
+                  <a:srgbClr val="FF0000"/>
+                </a:solidFill>
+              </a:rPr>
+              <a:t>Flashlight</a:t>
+            </a:r>
+            <a:r>
+              <a:rPr lang="en-US" dirty="0">
+                <a:solidFill>
+                  <a:schemeClr val="accent1"/>
+                </a:solidFill>
+              </a:rPr>
+              <a:t>:</a:t>
+            </a:r>
+            <a:r>
+              <a:rPr lang="en-US" dirty="0"/>
+              <a:t> For items which are beyond Billy’s vision</a:t>
+            </a:r>
+          </a:p>
+          <a:p>
+            <a:r>
+              <a:rPr lang="en-US" dirty="0">
+                <a:solidFill>
+                  <a:srgbClr val="FF0000"/>
+                </a:solidFill>
+              </a:rPr>
+              <a:t>Glasses</a:t>
+            </a:r>
+            <a:r>
+              <a:rPr lang="en-US" dirty="0">
+                <a:solidFill>
+                  <a:schemeClr val="accent1"/>
+                </a:solidFill>
+              </a:rPr>
+              <a:t>:</a:t>
+            </a:r>
+            <a:r>
+              <a:rPr lang="en-US" dirty="0"/>
+              <a:t> To improve Billy’s vision</a:t>
+            </a:r>
+          </a:p>
+          <a:p>
+            <a:r>
+              <a:rPr lang="en-US" dirty="0">
+                <a:solidFill>
+                  <a:srgbClr val="FF0000"/>
+                </a:solidFill>
+              </a:rPr>
+              <a:t>Watch: </a:t>
+            </a:r>
+            <a:r>
+              <a:rPr lang="en-US" dirty="0"/>
+              <a:t>To check how much longer Billy has to escape</a:t>
+            </a:r>
+          </a:p>
+          <a:p>
+            <a:endParaRPr lang="en-US" dirty="0"/>
           </a:p>
         </p:txBody>
       </p:sp>
     </p:spTree>
     <p:extLst>
       <p:ext uri="{BB962C8B-B14F-4D97-AF65-F5344CB8AC3E}">
-        <p14:creationId xmlns:p14="http://schemas.microsoft.com/office/powerpoint/2010/main" val="1454217528"/>
+        <p14:creationId xmlns:p14="http://schemas.microsoft.com/office/powerpoint/2010/main" val="702952358"/>
       </p:ext>
     </p:extLst>
   </p:cSld>
@@ -7493,12 +7590,18 @@
       </p:grpSpPr>
       <p:sp>
         <p:nvSpPr>
-          <p:cNvPr id="2" name="Title 1"/>
-          <p:cNvSpPr>
-            <a:spLocks noGrp="1"/>
-          </p:cNvSpPr>
-          <p:nvPr>
-            <p:ph type="title"/>
+          <p:cNvPr id="2" name="Title 1">
+            <a:extLst>
+              <a:ext uri="{FF2B5EF4-FFF2-40B4-BE49-F238E27FC236}">
+                <a16:creationId xmlns:a16="http://schemas.microsoft.com/office/drawing/2014/main" xmlns="" id="{FB8B3887-C883-4A5D-8E51-BF27A9AFBD30}"/>
+              </a:ext>
+            </a:extLst>
+          </p:cNvPr>
+          <p:cNvSpPr>
+            <a:spLocks noGrp="1"/>
+          </p:cNvSpPr>
+          <p:nvPr>
+            <p:ph type="ctrTitle"/>
           </p:nvPr>
         </p:nvSpPr>
         <p:spPr/>
@@ -7507,20 +7610,26 @@
           <a:lstStyle/>
           <a:p>
             <a:r>
-              <a:rPr lang="en-US" dirty="0"/>
-              <a:t>Thank you for listening </a:t>
-            </a:r>
-          </a:p>
-        </p:txBody>
-      </p:sp>
-      <p:sp>
-        <p:nvSpPr>
-          <p:cNvPr id="3" name="Content Placeholder 2"/>
-          <p:cNvSpPr>
-            <a:spLocks noGrp="1"/>
-          </p:cNvSpPr>
-          <p:nvPr>
-            <p:ph idx="1"/>
+              <a:rPr lang="en-GB" dirty="0"/>
+              <a:t>Game Demonstration</a:t>
+            </a:r>
+          </a:p>
+        </p:txBody>
+      </p:sp>
+      <p:sp>
+        <p:nvSpPr>
+          <p:cNvPr id="3" name="Subtitle 2">
+            <a:extLst>
+              <a:ext uri="{FF2B5EF4-FFF2-40B4-BE49-F238E27FC236}">
+                <a16:creationId xmlns:a16="http://schemas.microsoft.com/office/drawing/2014/main" xmlns="" id="{BF740646-BE25-4821-868D-4BF60C78F197}"/>
+              </a:ext>
+            </a:extLst>
+          </p:cNvPr>
+          <p:cNvSpPr>
+            <a:spLocks noGrp="1"/>
+          </p:cNvSpPr>
+          <p:nvPr>
+            <p:ph type="subTitle" idx="1"/>
           </p:nvPr>
         </p:nvSpPr>
         <p:spPr/>
@@ -7528,134 +7637,14 @@
           <a:bodyPr/>
           <a:lstStyle/>
           <a:p>
-            <a:r>
-              <a:rPr lang="en-US" sz="2800" dirty="0"/>
-              <a:t>We will now welcome any questions </a:t>
-            </a:r>
-          </a:p>
-          <a:p>
-            <a:r>
-              <a:rPr lang="en-US" dirty="0"/>
-              <a:t>Billy’s escape was developed by:</a:t>
-            </a:r>
-          </a:p>
-          <a:p>
-            <a:pPr lvl="1">
-              <a:buFont typeface="Wingdings" charset="2"/>
-              <a:buChar char="v"/>
-            </a:pPr>
-            <a:r>
-              <a:rPr lang="en-US" dirty="0"/>
-              <a:t>Sam Davis 			</a:t>
-            </a:r>
-          </a:p>
-          <a:p>
-            <a:pPr lvl="1">
-              <a:buFont typeface="Wingdings" charset="2"/>
-              <a:buChar char="v"/>
-            </a:pPr>
-            <a:r>
-              <a:rPr lang="en-US" dirty="0"/>
-              <a:t>Georgios Diamantopoulos </a:t>
-            </a:r>
-          </a:p>
-          <a:p>
-            <a:pPr lvl="1">
-              <a:buFont typeface="Wingdings" charset="2"/>
-              <a:buChar char="v"/>
-            </a:pPr>
-            <a:r>
-              <a:rPr lang="en-US" dirty="0"/>
-              <a:t>Adam Parrington</a:t>
-            </a:r>
-          </a:p>
-          <a:p>
-            <a:pPr lvl="1">
-              <a:buFont typeface="Wingdings" charset="2"/>
-              <a:buChar char="v"/>
-            </a:pPr>
-            <a:r>
-              <a:rPr lang="en-US" dirty="0"/>
-              <a:t>Reema Abaoud</a:t>
-            </a:r>
-          </a:p>
-          <a:p>
-            <a:pPr lvl="1">
-              <a:buFont typeface="Wingdings" charset="2"/>
-              <a:buChar char="v"/>
-            </a:pPr>
-            <a:r>
-              <a:rPr lang="en-US" dirty="0" err="1"/>
-              <a:t>Todor</a:t>
-            </a:r>
-            <a:r>
-              <a:rPr lang="en-US" dirty="0"/>
-              <a:t> </a:t>
-            </a:r>
-            <a:r>
-              <a:rPr lang="en-US" dirty="0" err="1"/>
-              <a:t>Pertov</a:t>
-            </a:r>
-            <a:endParaRPr lang="en-US" dirty="0"/>
-          </a:p>
-          <a:p>
-            <a:pPr lvl="1">
-              <a:buFont typeface="Wingdings" charset="2"/>
-              <a:buChar char="v"/>
-            </a:pPr>
-            <a:r>
-              <a:rPr lang="en-US" dirty="0"/>
-              <a:t>Laura Edwards</a:t>
-            </a:r>
-          </a:p>
-          <a:p>
-            <a:pPr lvl="1">
-              <a:buFont typeface="Wingdings" charset="2"/>
-              <a:buChar char="v"/>
-            </a:pPr>
-            <a:r>
-              <a:rPr lang="en-US" dirty="0"/>
-              <a:t>Sebastian Squire</a:t>
-            </a:r>
-          </a:p>
-          <a:p>
-            <a:pPr lvl="1">
-              <a:buFont typeface="Wingdings" charset="2"/>
-              <a:buChar char="v"/>
-            </a:pPr>
-            <a:r>
-              <a:rPr lang="en-US" dirty="0"/>
-              <a:t>Jacob </a:t>
-            </a:r>
-            <a:r>
-              <a:rPr lang="en-US" dirty="0" err="1"/>
-              <a:t>Winkworth</a:t>
-            </a:r>
-            <a:endParaRPr lang="en-US" dirty="0"/>
-          </a:p>
-          <a:p>
-            <a:pPr lvl="1">
-              <a:buFont typeface="Wingdings" charset="2"/>
-              <a:buChar char="v"/>
-            </a:pPr>
-            <a:endParaRPr lang="en-US" dirty="0"/>
-          </a:p>
-          <a:p>
-            <a:pPr lvl="1">
-              <a:buFont typeface="Wingdings" charset="2"/>
-              <a:buChar char="v"/>
-            </a:pPr>
-            <a:endParaRPr lang="en-US" dirty="0"/>
-          </a:p>
-          <a:p>
-            <a:endParaRPr lang="en-US" dirty="0"/>
+            <a:endParaRPr lang="en-GB" dirty="0"/>
           </a:p>
         </p:txBody>
       </p:sp>
     </p:spTree>
     <p:extLst>
       <p:ext uri="{BB962C8B-B14F-4D97-AF65-F5344CB8AC3E}">
-        <p14:creationId xmlns:p14="http://schemas.microsoft.com/office/powerpoint/2010/main" val="1893396944"/>
+        <p14:creationId xmlns:p14="http://schemas.microsoft.com/office/powerpoint/2010/main" val="1454217528"/>
       </p:ext>
     </p:extLst>
   </p:cSld>
